--- a/Slides/14. 개발 프로세스 실습 2 v2.pptx
+++ b/Slides/14. 개발 프로세스 실습 2 v2.pptx
@@ -5,7 +5,7 @@
     <p:sldMasterId id="2147483660" r:id="rId1"/>
   </p:sldMasterIdLst>
   <p:notesMasterIdLst>
-    <p:notesMasterId r:id="rId59"/>
+    <p:notesMasterId r:id="rId61"/>
   </p:notesMasterIdLst>
   <p:sldIdLst>
     <p:sldId id="431" r:id="rId2"/>
@@ -49,22 +49,24 @@
     <p:sldId id="649" r:id="rId40"/>
     <p:sldId id="650" r:id="rId41"/>
     <p:sldId id="612" r:id="rId42"/>
-    <p:sldId id="619" r:id="rId43"/>
-    <p:sldId id="618" r:id="rId44"/>
-    <p:sldId id="678" r:id="rId45"/>
-    <p:sldId id="614" r:id="rId46"/>
-    <p:sldId id="673" r:id="rId47"/>
-    <p:sldId id="657" r:id="rId48"/>
-    <p:sldId id="662" r:id="rId49"/>
-    <p:sldId id="663" r:id="rId50"/>
-    <p:sldId id="664" r:id="rId51"/>
-    <p:sldId id="665" r:id="rId52"/>
-    <p:sldId id="666" r:id="rId53"/>
-    <p:sldId id="667" r:id="rId54"/>
-    <p:sldId id="668" r:id="rId55"/>
-    <p:sldId id="672" r:id="rId56"/>
-    <p:sldId id="670" r:id="rId57"/>
-    <p:sldId id="571" r:id="rId58"/>
+    <p:sldId id="680" r:id="rId43"/>
+    <p:sldId id="679" r:id="rId44"/>
+    <p:sldId id="619" r:id="rId45"/>
+    <p:sldId id="618" r:id="rId46"/>
+    <p:sldId id="678" r:id="rId47"/>
+    <p:sldId id="614" r:id="rId48"/>
+    <p:sldId id="673" r:id="rId49"/>
+    <p:sldId id="657" r:id="rId50"/>
+    <p:sldId id="662" r:id="rId51"/>
+    <p:sldId id="663" r:id="rId52"/>
+    <p:sldId id="664" r:id="rId53"/>
+    <p:sldId id="665" r:id="rId54"/>
+    <p:sldId id="666" r:id="rId55"/>
+    <p:sldId id="667" r:id="rId56"/>
+    <p:sldId id="668" r:id="rId57"/>
+    <p:sldId id="672" r:id="rId58"/>
+    <p:sldId id="670" r:id="rId59"/>
+    <p:sldId id="571" r:id="rId60"/>
   </p:sldIdLst>
   <p:sldSz cx="9144000" cy="6858000" type="screen4x3"/>
   <p:notesSz cx="6858000" cy="9144000"/>
@@ -253,7 +255,7 @@
           <a:p>
             <a:fld id="{3A51E6CB-1B67-49CD-819C-CBD1F8F15839}" type="datetimeFigureOut">
               <a:rPr lang="ko-KR" altLang="en-US" smtClean="0"/>
-              <a:t>2019-11-18</a:t>
+              <a:t>2019-12-04</a:t>
             </a:fld>
             <a:endParaRPr lang="ko-KR" altLang="en-US"/>
           </a:p>
@@ -735,7 +737,7 @@
           <a:p>
             <a:fld id="{1EA80F27-E9B9-4A8E-9A59-01CCB3F43850}" type="datetime1">
               <a:rPr lang="ko-KR" altLang="en-US" smtClean="0"/>
-              <a:t>2019-11-18</a:t>
+              <a:t>2019-12-04</a:t>
             </a:fld>
             <a:endParaRPr lang="ko-KR" altLang="en-US"/>
           </a:p>
@@ -951,7 +953,7 @@
           <a:p>
             <a:fld id="{7E5363F8-22A8-407F-82B0-EFC1D1C22895}" type="datetime1">
               <a:rPr lang="ko-KR" altLang="en-US" smtClean="0"/>
-              <a:t>2019-11-18</a:t>
+              <a:t>2019-12-04</a:t>
             </a:fld>
             <a:endParaRPr lang="ko-KR" altLang="en-US"/>
           </a:p>
@@ -1131,7 +1133,7 @@
           <a:p>
             <a:fld id="{8187739B-8E74-4F06-BBD0-F6D670C1F7A1}" type="datetime1">
               <a:rPr lang="ko-KR" altLang="en-US" smtClean="0"/>
-              <a:t>2019-11-18</a:t>
+              <a:t>2019-12-04</a:t>
             </a:fld>
             <a:endParaRPr lang="ko-KR" altLang="en-US"/>
           </a:p>
@@ -1301,7 +1303,7 @@
           <a:p>
             <a:fld id="{947C39E4-F1C0-46F5-93CB-857C8C3AEB8D}" type="datetime1">
               <a:rPr lang="ko-KR" altLang="en-US" smtClean="0"/>
-              <a:t>2019-11-18</a:t>
+              <a:t>2019-12-04</a:t>
             </a:fld>
             <a:endParaRPr lang="ko-KR" altLang="en-US"/>
           </a:p>
@@ -1545,7 +1547,7 @@
           <a:p>
             <a:fld id="{7818271D-E6C7-4286-B2FD-D9AA53F1E428}" type="datetime1">
               <a:rPr lang="ko-KR" altLang="en-US" smtClean="0"/>
-              <a:t>2019-11-18</a:t>
+              <a:t>2019-12-04</a:t>
             </a:fld>
             <a:endParaRPr lang="ko-KR" altLang="en-US"/>
           </a:p>
@@ -1777,7 +1779,7 @@
           <a:p>
             <a:fld id="{8CE3C26B-F624-420D-BF9D-391E2E695B27}" type="datetime1">
               <a:rPr lang="ko-KR" altLang="en-US" smtClean="0"/>
-              <a:t>2019-11-18</a:t>
+              <a:t>2019-12-04</a:t>
             </a:fld>
             <a:endParaRPr lang="ko-KR" altLang="en-US"/>
           </a:p>
@@ -2144,7 +2146,7 @@
           <a:p>
             <a:fld id="{A1FC83CE-7AD5-4A20-9998-54C7F9F05545}" type="datetime1">
               <a:rPr lang="ko-KR" altLang="en-US" smtClean="0"/>
-              <a:t>2019-11-18</a:t>
+              <a:t>2019-12-04</a:t>
             </a:fld>
             <a:endParaRPr lang="ko-KR" altLang="en-US"/>
           </a:p>
@@ -2262,7 +2264,7 @@
           <a:p>
             <a:fld id="{3A3E22EA-EB96-4ADF-ABA9-A693E5F7BB1E}" type="datetime1">
               <a:rPr lang="ko-KR" altLang="en-US" smtClean="0"/>
-              <a:t>2019-11-18</a:t>
+              <a:t>2019-12-04</a:t>
             </a:fld>
             <a:endParaRPr lang="ko-KR" altLang="en-US"/>
           </a:p>
@@ -2357,7 +2359,7 @@
           <a:p>
             <a:fld id="{0D5BD961-86A8-440A-8C4E-52B6CA6FECED}" type="datetime1">
               <a:rPr lang="ko-KR" altLang="en-US" smtClean="0"/>
-              <a:t>2019-11-18</a:t>
+              <a:t>2019-12-04</a:t>
             </a:fld>
             <a:endParaRPr lang="ko-KR" altLang="en-US"/>
           </a:p>
@@ -2634,7 +2636,7 @@
           <a:p>
             <a:fld id="{CD151CC0-1347-483B-8708-01772054FA68}" type="datetime1">
               <a:rPr lang="ko-KR" altLang="en-US" smtClean="0"/>
-              <a:t>2019-11-18</a:t>
+              <a:t>2019-12-04</a:t>
             </a:fld>
             <a:endParaRPr lang="ko-KR" altLang="en-US"/>
           </a:p>
@@ -2891,7 +2893,7 @@
           <a:p>
             <a:fld id="{57185993-49E6-4096-BF26-930E741DA796}" type="datetime1">
               <a:rPr lang="ko-KR" altLang="en-US" smtClean="0"/>
-              <a:t>2019-11-18</a:t>
+              <a:t>2019-12-04</a:t>
             </a:fld>
             <a:endParaRPr lang="ko-KR" altLang="en-US"/>
           </a:p>
@@ -3107,7 +3109,7 @@
           <a:p>
             <a:fld id="{170798F3-F6A9-4876-8D5A-30BE2843F4A2}" type="datetime1">
               <a:rPr lang="ko-KR" altLang="en-US" smtClean="0"/>
-              <a:t>2019-11-18</a:t>
+              <a:t>2019-12-04</a:t>
             </a:fld>
             <a:endParaRPr lang="ko-KR" altLang="en-US"/>
           </a:p>
@@ -12397,112 +12399,6 @@
             </a:r>
             <a:endParaRPr lang="en-US" altLang="ko-KR" sz="1800" dirty="0"/>
           </a:p>
-          <a:p>
-            <a:r>
-              <a:rPr lang="ko-KR" altLang="en-US" sz="2000" dirty="0"/>
-              <a:t>채널 </a:t>
-            </a:r>
-            <a:r>
-              <a:rPr lang="en-US" altLang="ko-KR" sz="2000" dirty="0"/>
-              <a:t>ID </a:t>
-            </a:r>
-            <a:r>
-              <a:rPr lang="ko-KR" altLang="en-US" sz="2000" dirty="0" err="1"/>
-              <a:t>받아오기</a:t>
-            </a:r>
-            <a:endParaRPr lang="en-US" altLang="ko-KR" sz="2000" dirty="0"/>
-          </a:p>
-          <a:p>
-            <a:pPr lvl="1"/>
-            <a:r>
-              <a:rPr lang="ko-KR" altLang="en-US" sz="1600" dirty="0"/>
-              <a:t>먼저 채널 </a:t>
-            </a:r>
-            <a:r>
-              <a:rPr lang="en-US" altLang="ko-KR" sz="1600" dirty="0"/>
-              <a:t>ID</a:t>
-            </a:r>
-            <a:r>
-              <a:rPr lang="ko-KR" altLang="en-US" sz="1600" dirty="0"/>
-              <a:t>가 변하지 않는지</a:t>
-            </a:r>
-            <a:r>
-              <a:rPr lang="en-US" altLang="ko-KR" sz="1600" dirty="0"/>
-              <a:t> </a:t>
-            </a:r>
-            <a:r>
-              <a:rPr lang="ko-KR" altLang="en-US" sz="1600" dirty="0"/>
-              <a:t>확인</a:t>
-            </a:r>
-            <a:endParaRPr lang="en-US" altLang="ko-KR" sz="1600" dirty="0"/>
-          </a:p>
-          <a:p>
-            <a:pPr lvl="1"/>
-            <a:r>
-              <a:rPr lang="ko-KR" altLang="en-US" sz="1600" dirty="0"/>
-              <a:t>기존 </a:t>
-            </a:r>
-            <a:r>
-              <a:rPr lang="en-US" altLang="ko-KR" sz="1600" dirty="0"/>
-              <a:t>Chatbot </a:t>
-            </a:r>
-            <a:r>
-              <a:rPr lang="ko-KR" altLang="en-US" sz="1600" dirty="0"/>
-              <a:t>로직을 이용해서 </a:t>
-            </a:r>
-            <a:r>
-              <a:rPr lang="en-US" altLang="ko-KR" sz="1600" dirty="0"/>
-              <a:t>Testing </a:t>
-            </a:r>
-            <a:r>
-              <a:rPr lang="ko-KR" altLang="en-US" sz="1600" dirty="0"/>
-              <a:t>채널의 </a:t>
-            </a:r>
-            <a:r>
-              <a:rPr lang="en-US" altLang="ko-KR" sz="1600" dirty="0"/>
-              <a:t>ID </a:t>
-            </a:r>
-            <a:r>
-              <a:rPr lang="ko-KR" altLang="en-US" sz="1600" dirty="0"/>
-              <a:t>출력</a:t>
-            </a:r>
-            <a:endParaRPr lang="en-US" altLang="ko-KR" sz="1600" dirty="0"/>
-          </a:p>
-          <a:p>
-            <a:pPr lvl="1"/>
-            <a:r>
-              <a:rPr lang="en-US" altLang="ko-KR" sz="1600" dirty="0"/>
-              <a:t>.env </a:t>
-            </a:r>
-            <a:r>
-              <a:rPr lang="ko-KR" altLang="en-US" sz="1600" dirty="0"/>
-              <a:t>에 </a:t>
-            </a:r>
-            <a:r>
-              <a:rPr lang="en-US" altLang="ko-KR" sz="1600" dirty="0"/>
-              <a:t>ID</a:t>
-            </a:r>
-            <a:r>
-              <a:rPr lang="ko-KR" altLang="en-US" sz="1600" dirty="0"/>
-              <a:t>를 기록하고</a:t>
-            </a:r>
-            <a:r>
-              <a:rPr lang="en-US" altLang="ko-KR" sz="1600" dirty="0"/>
-              <a:t>, testbot.js</a:t>
-            </a:r>
-            <a:r>
-              <a:rPr lang="ko-KR" altLang="en-US" sz="1600" dirty="0"/>
-              <a:t> 에서 이를 </a:t>
-            </a:r>
-            <a:r>
-              <a:rPr lang="ko-KR" altLang="en-US" sz="1600" dirty="0" err="1"/>
-              <a:t>로딩해</a:t>
-            </a:r>
-            <a:r>
-              <a:rPr lang="ko-KR" altLang="en-US" sz="1600" dirty="0"/>
-              <a:t> 활용</a:t>
-            </a:r>
-          </a:p>
         </p:txBody>
       </p:sp>
       <p:sp>
@@ -12534,75 +12430,6 @@
           </a:p>
         </p:txBody>
       </p:sp>
-      <p:pic>
-        <p:nvPicPr>
-          <p:cNvPr id="5" name="그림 4">
-            <a:extLst>
-              <a:ext uri="{FF2B5EF4-FFF2-40B4-BE49-F238E27FC236}">
-                <a16:creationId xmlns:a16="http://schemas.microsoft.com/office/drawing/2014/main" id="{DCF241F0-FCC9-413A-B860-DB0EC87BF98F}"/>
-              </a:ext>
-            </a:extLst>
-          </p:cNvPr>
-          <p:cNvPicPr>
-            <a:picLocks noChangeAspect="1"/>
-          </p:cNvPicPr>
-          <p:nvPr/>
-        </p:nvPicPr>
-        <p:blipFill rotWithShape="1">
-          <a:blip r:embed="rId2"/>
-          <a:srcRect r="21709" b="40150"/>
-          <a:stretch/>
-        </p:blipFill>
-        <p:spPr>
-          <a:xfrm>
-            <a:off x="4307816" y="5372100"/>
-            <a:ext cx="4946034" cy="504825"/>
-          </a:xfrm>
-          <a:prstGeom prst="rect">
-            <a:avLst/>
-          </a:prstGeom>
-          <a:ln>
-            <a:solidFill>
-              <a:srgbClr val="FF0000"/>
-            </a:solidFill>
-          </a:ln>
-        </p:spPr>
-      </p:pic>
-      <p:pic>
-        <p:nvPicPr>
-          <p:cNvPr id="6" name="그림 5">
-            <a:extLst>
-              <a:ext uri="{FF2B5EF4-FFF2-40B4-BE49-F238E27FC236}">
-                <a16:creationId xmlns:a16="http://schemas.microsoft.com/office/drawing/2014/main" id="{DDE1F6D2-7006-4FD6-8FA7-81E22CC463B1}"/>
-              </a:ext>
-            </a:extLst>
-          </p:cNvPr>
-          <p:cNvPicPr>
-            <a:picLocks noChangeAspect="1"/>
-          </p:cNvPicPr>
-          <p:nvPr/>
-        </p:nvPicPr>
-        <p:blipFill>
-          <a:blip r:embed="rId3"/>
-          <a:stretch>
-            <a:fillRect/>
-          </a:stretch>
-        </p:blipFill>
-        <p:spPr>
-          <a:xfrm>
-            <a:off x="292964" y="5372100"/>
-            <a:ext cx="3912280" cy="626967"/>
-          </a:xfrm>
-          <a:prstGeom prst="rect">
-            <a:avLst/>
-          </a:prstGeom>
-          <a:ln>
-            <a:solidFill>
-              <a:srgbClr val="FF0000"/>
-            </a:solidFill>
-          </a:ln>
-        </p:spPr>
-      </p:pic>
     </p:spTree>
     <p:extLst>
       <p:ext uri="{BB962C8B-B14F-4D97-AF65-F5344CB8AC3E}">
@@ -12633,173 +12460,534 @@
           <a:chExt cx="0" cy="0"/>
         </a:xfrm>
       </p:grpSpPr>
+      <p:sp>
+        <p:nvSpPr>
+          <p:cNvPr id="3" name="내용 개체 틀 2">
+            <a:extLst>
+              <a:ext uri="{FF2B5EF4-FFF2-40B4-BE49-F238E27FC236}">
+                <a16:creationId xmlns:a16="http://schemas.microsoft.com/office/drawing/2014/main" id="{40E3A9B9-B2A9-45AD-AE80-2695CBA7A1DA}"/>
+              </a:ext>
+            </a:extLst>
+          </p:cNvPr>
+          <p:cNvSpPr>
+            <a:spLocks noGrp="1"/>
+          </p:cNvSpPr>
+          <p:nvPr>
+            <p:ph idx="1"/>
+          </p:nvPr>
+        </p:nvSpPr>
+        <p:spPr/>
+        <p:txBody>
+          <a:bodyPr/>
+          <a:lstStyle/>
+          <a:p>
+            <a:r>
+              <a:rPr lang="ko-KR" altLang="en-US" sz="2000" dirty="0"/>
+              <a:t>채널 </a:t>
+            </a:r>
+            <a:r>
+              <a:rPr lang="en-US" altLang="ko-KR" sz="2000" dirty="0"/>
+              <a:t>ID </a:t>
+            </a:r>
+            <a:r>
+              <a:rPr lang="ko-KR" altLang="en-US" sz="2000" dirty="0" err="1"/>
+              <a:t>받아오기</a:t>
+            </a:r>
+            <a:endParaRPr lang="en-US" altLang="ko-KR" sz="2000" dirty="0"/>
+          </a:p>
+          <a:p>
+            <a:pPr lvl="1"/>
+            <a:r>
+              <a:rPr lang="ko-KR" altLang="en-US" sz="1600" dirty="0"/>
+              <a:t>먼저 채널 </a:t>
+            </a:r>
+            <a:r>
+              <a:rPr lang="en-US" altLang="ko-KR" sz="1600" dirty="0"/>
+              <a:t>ID</a:t>
+            </a:r>
+            <a:r>
+              <a:rPr lang="ko-KR" altLang="en-US" sz="1600" dirty="0"/>
+              <a:t>가 변하지 않는지</a:t>
+            </a:r>
+            <a:r>
+              <a:rPr lang="en-US" altLang="ko-KR" sz="1600" dirty="0"/>
+              <a:t> </a:t>
+            </a:r>
+            <a:r>
+              <a:rPr lang="ko-KR" altLang="en-US" sz="1600" dirty="0"/>
+              <a:t>확인</a:t>
+            </a:r>
+            <a:endParaRPr lang="en-US" altLang="ko-KR" sz="1600" dirty="0"/>
+          </a:p>
+          <a:p>
+            <a:pPr lvl="1"/>
+            <a:r>
+              <a:rPr lang="ko-KR" altLang="en-US" sz="1600" dirty="0"/>
+              <a:t>기존 </a:t>
+            </a:r>
+            <a:r>
+              <a:rPr lang="en-US" altLang="ko-KR" sz="1600" dirty="0"/>
+              <a:t>Chatbot </a:t>
+            </a:r>
+            <a:r>
+              <a:rPr lang="ko-KR" altLang="en-US" sz="1600" dirty="0"/>
+              <a:t>로직을 이용해서 </a:t>
+            </a:r>
+            <a:r>
+              <a:rPr lang="en-US" altLang="ko-KR" sz="1600" dirty="0"/>
+              <a:t>Testing </a:t>
+            </a:r>
+            <a:r>
+              <a:rPr lang="ko-KR" altLang="en-US" sz="1600" dirty="0"/>
+              <a:t>채널의 </a:t>
+            </a:r>
+            <a:r>
+              <a:rPr lang="en-US" altLang="ko-KR" sz="1600" dirty="0"/>
+              <a:t>ID </a:t>
+            </a:r>
+            <a:r>
+              <a:rPr lang="ko-KR" altLang="en-US" sz="1600" dirty="0"/>
+              <a:t>출력</a:t>
+            </a:r>
+            <a:endParaRPr lang="en-US" altLang="ko-KR" sz="1600" dirty="0"/>
+          </a:p>
+          <a:p>
+            <a:pPr lvl="1"/>
+            <a:r>
+              <a:rPr lang="ko-KR" altLang="en-US" sz="1600" dirty="0"/>
+              <a:t>다른 방법은 직접 채널에 들어가 확인</a:t>
+            </a:r>
+            <a:r>
+              <a:rPr lang="en-US" altLang="ko-KR" sz="1600" dirty="0"/>
+              <a:t>(</a:t>
+            </a:r>
+            <a:r>
+              <a:rPr lang="ko-KR" altLang="en-US" sz="1600" dirty="0"/>
+              <a:t>빨간 </a:t>
+            </a:r>
+            <a:r>
+              <a:rPr lang="ko-KR" altLang="en-US" sz="1600" dirty="0" err="1"/>
+              <a:t>네모칸이</a:t>
+            </a:r>
+            <a:r>
+              <a:rPr lang="ko-KR" altLang="en-US" sz="1600" dirty="0"/>
+              <a:t> 채널의 </a:t>
+            </a:r>
+            <a:r>
+              <a:rPr lang="en-US" altLang="ko-KR" sz="1600" dirty="0"/>
+              <a:t>ID)</a:t>
+            </a:r>
+          </a:p>
+          <a:p>
+            <a:pPr lvl="1"/>
+            <a:r>
+              <a:rPr lang="en-US" altLang="ko-KR" sz="1600" dirty="0"/>
+              <a:t>.env </a:t>
+            </a:r>
+            <a:r>
+              <a:rPr lang="ko-KR" altLang="en-US" sz="1600" dirty="0"/>
+              <a:t>에 </a:t>
+            </a:r>
+            <a:r>
+              <a:rPr lang="en-US" altLang="ko-KR" sz="1600" dirty="0"/>
+              <a:t>ID</a:t>
+            </a:r>
+            <a:r>
+              <a:rPr lang="ko-KR" altLang="en-US" sz="1600" dirty="0"/>
+              <a:t>를 기록하고</a:t>
+            </a:r>
+            <a:r>
+              <a:rPr lang="en-US" altLang="ko-KR" sz="1600" dirty="0"/>
+              <a:t>, testbot.js</a:t>
+            </a:r>
+            <a:r>
+              <a:rPr lang="ko-KR" altLang="en-US" sz="1600" dirty="0"/>
+              <a:t> 에서 이를 </a:t>
+            </a:r>
+            <a:r>
+              <a:rPr lang="ko-KR" altLang="en-US" sz="1600" dirty="0" err="1"/>
+              <a:t>로딩해</a:t>
+            </a:r>
+            <a:r>
+              <a:rPr lang="ko-KR" altLang="en-US" sz="1600" dirty="0"/>
+              <a:t> 활용</a:t>
+            </a:r>
+            <a:endParaRPr lang="en-US" altLang="ko-KR" sz="1600" dirty="0"/>
+          </a:p>
+        </p:txBody>
+      </p:sp>
+      <p:sp>
+        <p:nvSpPr>
+          <p:cNvPr id="4" name="슬라이드 번호 개체 틀 3">
+            <a:extLst>
+              <a:ext uri="{FF2B5EF4-FFF2-40B4-BE49-F238E27FC236}">
+                <a16:creationId xmlns:a16="http://schemas.microsoft.com/office/drawing/2014/main" id="{53A62A32-5FAA-47B5-909F-AB04C369FF14}"/>
+              </a:ext>
+            </a:extLst>
+          </p:cNvPr>
+          <p:cNvSpPr>
+            <a:spLocks noGrp="1"/>
+          </p:cNvSpPr>
+          <p:nvPr>
+            <p:ph type="sldNum" sz="quarter" idx="12"/>
+          </p:nvPr>
+        </p:nvSpPr>
+        <p:spPr/>
+        <p:txBody>
+          <a:bodyPr/>
+          <a:lstStyle/>
+          <a:p>
+            <a:fld id="{64F0D409-D3F6-4EEC-8C77-1F5E89989FFB}" type="slidenum">
+              <a:rPr lang="ko-KR" altLang="en-US" smtClean="0"/>
+              <a:t>42</a:t>
+            </a:fld>
+            <a:endParaRPr lang="ko-KR" altLang="en-US" dirty="0"/>
+          </a:p>
+        </p:txBody>
+      </p:sp>
       <p:pic>
         <p:nvPicPr>
-          <p:cNvPr id="10" name="내용 개체 틀 9">
-            <a:extLst>
-              <a:ext uri="{FF2B5EF4-FFF2-40B4-BE49-F238E27FC236}">
-                <a16:creationId xmlns:a16="http://schemas.microsoft.com/office/drawing/2014/main" id="{110F8B6B-2563-40B3-92FA-7C24FC88F16A}"/>
+          <p:cNvPr id="5" name="그림 4">
+            <a:extLst>
+              <a:ext uri="{FF2B5EF4-FFF2-40B4-BE49-F238E27FC236}">
+                <a16:creationId xmlns:a16="http://schemas.microsoft.com/office/drawing/2014/main" id="{36446EEB-A8F2-40A3-95DC-257BF6C68B4C}"/>
               </a:ext>
             </a:extLst>
           </p:cNvPr>
           <p:cNvPicPr>
-            <a:picLocks noGrp="1" noChangeAspect="1"/>
+            <a:picLocks noChangeAspect="1"/>
           </p:cNvPicPr>
-          <p:nvPr>
-            <p:ph idx="1"/>
-          </p:nvPr>
+          <p:nvPr/>
         </p:nvPicPr>
-        <p:blipFill rotWithShape="1">
-          <a:blip r:embed="rId2"/>
-          <a:srcRect t="1302"/>
-          <a:stretch/>
+        <p:blipFill>
+          <a:blip r:embed="rId2">
+            <a:extLst>
+              <a:ext uri="{28A0092B-C50C-407E-A947-70E740481C1C}">
+                <a14:useLocalDpi xmlns:a14="http://schemas.microsoft.com/office/drawing/2010/main" val="0"/>
+              </a:ext>
+            </a:extLst>
+          </a:blip>
+          <a:stretch>
+            <a:fillRect/>
+          </a:stretch>
         </p:blipFill>
         <p:spPr>
           <a:xfrm>
-            <a:off x="958789" y="1061460"/>
-            <a:ext cx="7226424" cy="5310718"/>
+            <a:off x="676784" y="5151757"/>
+            <a:ext cx="3877433" cy="857370"/>
           </a:xfrm>
           <a:prstGeom prst="rect">
             <a:avLst/>
           </a:prstGeom>
           <a:ln>
             <a:solidFill>
-              <a:schemeClr val="accent1"/>
+              <a:srgbClr val="FF0000"/>
             </a:solidFill>
           </a:ln>
         </p:spPr>
       </p:pic>
-      <p:sp>
-        <p:nvSpPr>
-          <p:cNvPr id="2" name="제목 1">
-            <a:extLst>
-              <a:ext uri="{FF2B5EF4-FFF2-40B4-BE49-F238E27FC236}">
-                <a16:creationId xmlns:a16="http://schemas.microsoft.com/office/drawing/2014/main" id="{97EAC41B-372A-48D3-A485-DCAEE50630BF}"/>
-              </a:ext>
-            </a:extLst>
-          </p:cNvPr>
-          <p:cNvSpPr>
-            <a:spLocks noGrp="1"/>
-          </p:cNvSpPr>
-          <p:nvPr>
-            <p:ph type="title"/>
-          </p:nvPr>
-        </p:nvSpPr>
-        <p:spPr/>
-        <p:txBody>
-          <a:bodyPr/>
-          <a:lstStyle/>
-          <a:p>
-            <a:r>
-              <a:rPr lang="en-US" altLang="ko-KR" dirty="0"/>
-              <a:t>test.js (1/2)</a:t>
-            </a:r>
-            <a:endParaRPr lang="ko-KR" altLang="en-US" dirty="0"/>
-          </a:p>
-        </p:txBody>
-      </p:sp>
-      <p:sp>
-        <p:nvSpPr>
-          <p:cNvPr id="4" name="슬라이드 번호 개체 틀 3">
-            <a:extLst>
-              <a:ext uri="{FF2B5EF4-FFF2-40B4-BE49-F238E27FC236}">
-                <a16:creationId xmlns:a16="http://schemas.microsoft.com/office/drawing/2014/main" id="{B355F40D-589B-48C3-9849-EB66B8DA8F16}"/>
-              </a:ext>
-            </a:extLst>
-          </p:cNvPr>
-          <p:cNvSpPr>
-            <a:spLocks noGrp="1"/>
-          </p:cNvSpPr>
-          <p:nvPr>
-            <p:ph type="sldNum" sz="quarter" idx="12"/>
-          </p:nvPr>
-        </p:nvSpPr>
-        <p:spPr/>
-        <p:txBody>
-          <a:bodyPr/>
-          <a:lstStyle/>
-          <a:p>
-            <a:fld id="{64F0D409-D3F6-4EEC-8C77-1F5E89989FFB}" type="slidenum">
-              <a:rPr lang="ko-KR" altLang="en-US" smtClean="0"/>
-              <a:t>42</a:t>
-            </a:fld>
-            <a:endParaRPr lang="ko-KR" altLang="en-US"/>
-          </a:p>
-        </p:txBody>
-      </p:sp>
-      <p:sp>
-        <p:nvSpPr>
-          <p:cNvPr id="5" name="직사각형 4">
-            <a:extLst>
-              <a:ext uri="{FF2B5EF4-FFF2-40B4-BE49-F238E27FC236}">
-                <a16:creationId xmlns:a16="http://schemas.microsoft.com/office/drawing/2014/main" id="{40FE4895-9447-46FE-BC5D-A14A44E820FA}"/>
-              </a:ext>
-            </a:extLst>
-          </p:cNvPr>
-          <p:cNvSpPr/>
+      <p:pic>
+        <p:nvPicPr>
+          <p:cNvPr id="6" name="그림 5">
+            <a:extLst>
+              <a:ext uri="{FF2B5EF4-FFF2-40B4-BE49-F238E27FC236}">
+                <a16:creationId xmlns:a16="http://schemas.microsoft.com/office/drawing/2014/main" id="{BFAD0821-73C5-4293-A3B8-66F92A86A7D5}"/>
+              </a:ext>
+            </a:extLst>
+          </p:cNvPr>
+          <p:cNvPicPr>
+            <a:picLocks noChangeAspect="1"/>
+          </p:cNvPicPr>
           <p:nvPr/>
-        </p:nvSpPr>
+        </p:nvPicPr>
+        <p:blipFill>
+          <a:blip r:embed="rId3">
+            <a:extLst>
+              <a:ext uri="{28A0092B-C50C-407E-A947-70E740481C1C}">
+                <a14:useLocalDpi xmlns:a14="http://schemas.microsoft.com/office/drawing/2010/main" val="0"/>
+              </a:ext>
+            </a:extLst>
+          </a:blip>
+          <a:stretch>
+            <a:fillRect/>
+          </a:stretch>
+        </p:blipFill>
         <p:spPr>
           <a:xfrm>
-            <a:off x="4138421" y="4672751"/>
-            <a:ext cx="4147482" cy="646331"/>
+            <a:off x="491464" y="4205399"/>
+            <a:ext cx="5015727" cy="626966"/>
+          </a:xfrm>
+          <a:prstGeom prst="rect">
+            <a:avLst/>
+          </a:prstGeom>
+          <a:ln>
+            <a:solidFill>
+              <a:srgbClr val="FF0000"/>
+            </a:solidFill>
+          </a:ln>
+        </p:spPr>
+      </p:pic>
+      <p:pic>
+        <p:nvPicPr>
+          <p:cNvPr id="7" name="그림 6">
+            <a:extLst>
+              <a:ext uri="{FF2B5EF4-FFF2-40B4-BE49-F238E27FC236}">
+                <a16:creationId xmlns:a16="http://schemas.microsoft.com/office/drawing/2014/main" id="{1BAED1D0-892C-46A3-846D-5C5798454B23}"/>
+              </a:ext>
+            </a:extLst>
+          </p:cNvPr>
+          <p:cNvPicPr>
+            <a:picLocks noChangeAspect="1"/>
+          </p:cNvPicPr>
+          <p:nvPr/>
+        </p:nvPicPr>
+        <p:blipFill>
+          <a:blip r:embed="rId4">
+            <a:extLst>
+              <a:ext uri="{28A0092B-C50C-407E-A947-70E740481C1C}">
+                <a14:useLocalDpi xmlns:a14="http://schemas.microsoft.com/office/drawing/2010/main" val="0"/>
+              </a:ext>
+            </a:extLst>
+          </a:blip>
+          <a:stretch>
+            <a:fillRect/>
+          </a:stretch>
+        </p:blipFill>
+        <p:spPr>
+          <a:xfrm>
+            <a:off x="5895559" y="2989240"/>
+            <a:ext cx="2558459" cy="2031874"/>
           </a:xfrm>
           <a:prstGeom prst="rect">
             <a:avLst/>
           </a:prstGeom>
         </p:spPr>
-        <p:txBody>
-          <a:bodyPr wrap="none">
+      </p:pic>
+      <p:sp>
+        <p:nvSpPr>
+          <p:cNvPr id="8" name="직사각형 7">
+            <a:extLst>
+              <a:ext uri="{FF2B5EF4-FFF2-40B4-BE49-F238E27FC236}">
+                <a16:creationId xmlns:a16="http://schemas.microsoft.com/office/drawing/2014/main" id="{55A33C04-D8B5-4C6B-9AA1-5F6EA7B70D3E}"/>
+              </a:ext>
+            </a:extLst>
+          </p:cNvPr>
+          <p:cNvSpPr/>
+          <p:nvPr/>
+        </p:nvSpPr>
+        <p:spPr>
+          <a:xfrm>
+            <a:off x="5995161" y="3557847"/>
+            <a:ext cx="394283" cy="111658"/>
+          </a:xfrm>
+          <a:prstGeom prst="rect">
+            <a:avLst/>
+          </a:prstGeom>
+          <a:solidFill>
+            <a:srgbClr val="7030A0"/>
+          </a:solidFill>
+          <a:ln>
+            <a:solidFill>
+              <a:srgbClr val="7030A0"/>
+            </a:solidFill>
+          </a:ln>
+        </p:spPr>
+        <p:style>
+          <a:lnRef idx="2">
+            <a:schemeClr val="accent1">
+              <a:shade val="50000"/>
+            </a:schemeClr>
+          </a:lnRef>
+          <a:fillRef idx="1">
+            <a:schemeClr val="accent1"/>
+          </a:fillRef>
+          <a:effectRef idx="0">
+            <a:schemeClr val="accent1"/>
+          </a:effectRef>
+          <a:fontRef idx="minor">
+            <a:schemeClr val="lt1"/>
+          </a:fontRef>
+        </p:style>
+        <p:txBody>
+          <a:bodyPr rtlCol="0" anchor="ctr"/>
+          <a:lstStyle/>
+          <a:p>
+            <a:pPr algn="ctr"/>
+            <a:endParaRPr lang="ko-KR" altLang="en-US"/>
+          </a:p>
+        </p:txBody>
+      </p:sp>
+      <p:sp>
+        <p:nvSpPr>
+          <p:cNvPr id="9" name="사각형: 둥근 모서리 8">
+            <a:extLst>
+              <a:ext uri="{FF2B5EF4-FFF2-40B4-BE49-F238E27FC236}">
+                <a16:creationId xmlns:a16="http://schemas.microsoft.com/office/drawing/2014/main" id="{C976B52C-85C5-463A-9926-F889A518B24D}"/>
+              </a:ext>
+            </a:extLst>
+          </p:cNvPr>
+          <p:cNvSpPr/>
+          <p:nvPr/>
+        </p:nvSpPr>
+        <p:spPr>
+          <a:xfrm>
+            <a:off x="7707794" y="2983610"/>
+            <a:ext cx="545284" cy="217354"/>
+          </a:xfrm>
+          <a:prstGeom prst="roundRect">
+            <a:avLst/>
+          </a:prstGeom>
+          <a:noFill/>
+          <a:ln>
+            <a:solidFill>
+              <a:srgbClr val="FF0000"/>
+            </a:solidFill>
+          </a:ln>
+        </p:spPr>
+        <p:style>
+          <a:lnRef idx="2">
+            <a:schemeClr val="accent1">
+              <a:shade val="50000"/>
+            </a:schemeClr>
+          </a:lnRef>
+          <a:fillRef idx="1">
+            <a:schemeClr val="accent1"/>
+          </a:fillRef>
+          <a:effectRef idx="0">
+            <a:schemeClr val="accent1"/>
+          </a:effectRef>
+          <a:fontRef idx="minor">
+            <a:schemeClr val="lt1"/>
+          </a:fontRef>
+        </p:style>
+        <p:txBody>
+          <a:bodyPr rtlCol="0" anchor="ctr"/>
+          <a:lstStyle/>
+          <a:p>
+            <a:pPr algn="ctr"/>
+            <a:endParaRPr lang="ko-KR" altLang="en-US"/>
+          </a:p>
+        </p:txBody>
+      </p:sp>
+      <p:pic>
+        <p:nvPicPr>
+          <p:cNvPr id="11" name="그림 10">
+            <a:extLst>
+              <a:ext uri="{FF2B5EF4-FFF2-40B4-BE49-F238E27FC236}">
+                <a16:creationId xmlns:a16="http://schemas.microsoft.com/office/drawing/2014/main" id="{C581FEFB-DE4B-420E-9E4F-5D98FE3E4C49}"/>
+              </a:ext>
+            </a:extLst>
+          </p:cNvPr>
+          <p:cNvPicPr>
+            <a:picLocks noChangeAspect="1"/>
+          </p:cNvPicPr>
+          <p:nvPr/>
+        </p:nvPicPr>
+        <p:blipFill>
+          <a:blip r:embed="rId5">
+            <a:extLst>
+              <a:ext uri="{28A0092B-C50C-407E-A947-70E740481C1C}">
+                <a14:useLocalDpi xmlns:a14="http://schemas.microsoft.com/office/drawing/2010/main" val="0"/>
+              </a:ext>
+            </a:extLst>
+          </a:blip>
+          <a:stretch>
+            <a:fillRect/>
+          </a:stretch>
+        </p:blipFill>
+        <p:spPr>
+          <a:xfrm>
+            <a:off x="958034" y="3005078"/>
+            <a:ext cx="3314935" cy="1000099"/>
+          </a:xfrm>
+          <a:prstGeom prst="rect">
+            <a:avLst/>
+          </a:prstGeom>
+        </p:spPr>
+      </p:pic>
+      <p:sp>
+        <p:nvSpPr>
+          <p:cNvPr id="12" name="TextBox 11">
+            <a:extLst>
+              <a:ext uri="{FF2B5EF4-FFF2-40B4-BE49-F238E27FC236}">
+                <a16:creationId xmlns:a16="http://schemas.microsoft.com/office/drawing/2014/main" id="{BD639C8B-2A7F-4DAE-AC33-0B1424E3E1C7}"/>
+              </a:ext>
+            </a:extLst>
+          </p:cNvPr>
+          <p:cNvSpPr txBox="1"/>
+          <p:nvPr/>
+        </p:nvSpPr>
+        <p:spPr>
+          <a:xfrm>
+            <a:off x="1520532" y="6063131"/>
+            <a:ext cx="2548564" cy="369332"/>
+          </a:xfrm>
+          <a:prstGeom prst="rect">
+            <a:avLst/>
+          </a:prstGeom>
+          <a:noFill/>
+        </p:spPr>
+        <p:txBody>
+          <a:bodyPr wrap="square" rtlCol="0">
             <a:spAutoFit/>
           </a:bodyPr>
           <a:lstStyle/>
           <a:p>
             <a:r>
-              <a:rPr lang="en-US" altLang="ko-KR" dirty="0">
-                <a:solidFill>
-                  <a:srgbClr val="FF0000"/>
-                </a:solidFill>
-              </a:rPr>
-              <a:t>* </a:t>
-            </a:r>
-            <a:r>
-              <a:rPr lang="ko-KR" altLang="en-US" dirty="0" err="1">
-                <a:solidFill>
-                  <a:srgbClr val="FF0000"/>
-                </a:solidFill>
-              </a:rPr>
-              <a:t>슬랙과</a:t>
-            </a:r>
-            <a:r>
-              <a:rPr lang="ko-KR" altLang="en-US" dirty="0">
-                <a:solidFill>
-                  <a:srgbClr val="FF0000"/>
-                </a:solidFill>
-              </a:rPr>
-              <a:t> 정상 접속되면 발생하는 </a:t>
-            </a:r>
-            <a:r>
-              <a:rPr lang="en-US" altLang="ko-KR" dirty="0">
-                <a:solidFill>
-                  <a:srgbClr val="FF0000"/>
-                </a:solidFill>
-              </a:rPr>
-              <a:t>ready </a:t>
-            </a:r>
-            <a:br>
-              <a:rPr lang="en-US" altLang="ko-KR" dirty="0">
-                <a:solidFill>
-                  <a:srgbClr val="FF0000"/>
-                </a:solidFill>
-              </a:rPr>
-            </a:br>
-            <a:r>
-              <a:rPr lang="ko-KR" altLang="en-US" dirty="0">
-                <a:solidFill>
-                  <a:srgbClr val="FF0000"/>
-                </a:solidFill>
-              </a:rPr>
-              <a:t>이벤트를 이용해 먼저 말을 하도록 함</a:t>
+              <a:rPr lang="en-US" altLang="ko-KR" dirty="0"/>
+              <a:t>[</a:t>
+            </a:r>
+            <a:r>
+              <a:rPr lang="ko-KR" altLang="en-US" dirty="0"/>
+              <a:t>첫번째 방법</a:t>
+            </a:r>
+            <a:r>
+              <a:rPr lang="en-US" altLang="ko-KR" dirty="0"/>
+              <a:t>]</a:t>
+            </a:r>
+            <a:endParaRPr lang="ko-KR" altLang="en-US" dirty="0"/>
+          </a:p>
+        </p:txBody>
+      </p:sp>
+      <p:sp>
+        <p:nvSpPr>
+          <p:cNvPr id="14" name="TextBox 13">
+            <a:extLst>
+              <a:ext uri="{FF2B5EF4-FFF2-40B4-BE49-F238E27FC236}">
+                <a16:creationId xmlns:a16="http://schemas.microsoft.com/office/drawing/2014/main" id="{B913FC0D-28E9-45EF-8B40-AE74ED9802D3}"/>
+              </a:ext>
+            </a:extLst>
+          </p:cNvPr>
+          <p:cNvSpPr txBox="1"/>
+          <p:nvPr/>
+        </p:nvSpPr>
+        <p:spPr>
+          <a:xfrm>
+            <a:off x="6308536" y="5165564"/>
+            <a:ext cx="2100215" cy="369332"/>
+          </a:xfrm>
+          <a:prstGeom prst="rect">
+            <a:avLst/>
+          </a:prstGeom>
+          <a:noFill/>
+        </p:spPr>
+        <p:txBody>
+          <a:bodyPr wrap="square" rtlCol="0">
+            <a:spAutoFit/>
+          </a:bodyPr>
+          <a:lstStyle/>
+          <a:p>
+            <a:r>
+              <a:rPr lang="en-US" altLang="ko-KR" dirty="0"/>
+              <a:t>[</a:t>
+            </a:r>
+            <a:r>
+              <a:rPr lang="ko-KR" altLang="en-US" dirty="0"/>
+              <a:t>두번째 방법</a:t>
+            </a:r>
+            <a:r>
+              <a:rPr lang="en-US" altLang="ko-KR" dirty="0"/>
+              <a:t>]</a:t>
             </a:r>
             <a:endParaRPr lang="ko-KR" altLang="en-US" dirty="0"/>
           </a:p>
@@ -12808,7 +12996,7 @@
     </p:spTree>
     <p:extLst>
       <p:ext uri="{BB962C8B-B14F-4D97-AF65-F5344CB8AC3E}">
-        <p14:creationId xmlns:p14="http://schemas.microsoft.com/office/powerpoint/2010/main" val="2883291875"/>
+        <p14:creationId xmlns:p14="http://schemas.microsoft.com/office/powerpoint/2010/main" val="54699276"/>
       </p:ext>
     </p:extLst>
   </p:cSld>
@@ -12837,30 +13025,98 @@
       </p:grpSpPr>
       <p:sp>
         <p:nvSpPr>
-          <p:cNvPr id="2" name="제목 1">
-            <a:extLst>
-              <a:ext uri="{FF2B5EF4-FFF2-40B4-BE49-F238E27FC236}">
-                <a16:creationId xmlns:a16="http://schemas.microsoft.com/office/drawing/2014/main" id="{EFB67C10-ABFD-4929-97D7-254C2803F74C}"/>
-              </a:ext>
-            </a:extLst>
-          </p:cNvPr>
-          <p:cNvSpPr>
-            <a:spLocks noGrp="1"/>
-          </p:cNvSpPr>
-          <p:nvPr>
-            <p:ph type="title"/>
-          </p:nvPr>
-        </p:nvSpPr>
-        <p:spPr/>
-        <p:txBody>
-          <a:bodyPr/>
-          <a:lstStyle/>
-          <a:p>
+          <p:cNvPr id="3" name="내용 개체 틀 2">
+            <a:extLst>
+              <a:ext uri="{FF2B5EF4-FFF2-40B4-BE49-F238E27FC236}">
+                <a16:creationId xmlns:a16="http://schemas.microsoft.com/office/drawing/2014/main" id="{F513CA3E-F188-4D92-B00C-D4D1EC52319E}"/>
+              </a:ext>
+            </a:extLst>
+          </p:cNvPr>
+          <p:cNvSpPr>
+            <a:spLocks noGrp="1"/>
+          </p:cNvSpPr>
+          <p:nvPr>
+            <p:ph idx="1"/>
+          </p:nvPr>
+        </p:nvSpPr>
+        <p:spPr/>
+        <p:txBody>
+          <a:bodyPr/>
+          <a:lstStyle/>
+          <a:p>
+            <a:r>
+              <a:rPr lang="ko-KR" altLang="en-US" dirty="0"/>
+              <a:t>유저</a:t>
+            </a:r>
             <a:r>
               <a:rPr lang="en-US" altLang="ko-KR" dirty="0"/>
-              <a:t>test.js (2/2)</a:t>
-            </a:r>
-            <a:endParaRPr lang="ko-KR" altLang="en-US" dirty="0"/>
+              <a:t>ID</a:t>
+            </a:r>
+            <a:r>
+              <a:rPr lang="ko-KR" altLang="en-US" dirty="0"/>
+              <a:t> </a:t>
+            </a:r>
+            <a:r>
+              <a:rPr lang="ko-KR" altLang="en-US" dirty="0" err="1"/>
+              <a:t>받아오기</a:t>
+            </a:r>
+            <a:endParaRPr lang="en-US" altLang="ko-KR" dirty="0"/>
+          </a:p>
+          <a:p>
+            <a:pPr lvl="1"/>
+            <a:r>
+              <a:rPr lang="ko-KR" altLang="en-US" dirty="0"/>
+              <a:t>채널 </a:t>
+            </a:r>
+            <a:r>
+              <a:rPr lang="en-US" altLang="ko-KR" dirty="0"/>
+              <a:t>ID</a:t>
+            </a:r>
+            <a:r>
+              <a:rPr lang="ko-KR" altLang="en-US" dirty="0"/>
+              <a:t>를 </a:t>
+            </a:r>
+            <a:r>
+              <a:rPr lang="ko-KR" altLang="en-US" dirty="0" err="1"/>
+              <a:t>가져올때</a:t>
+            </a:r>
+            <a:r>
+              <a:rPr lang="ko-KR" altLang="en-US" dirty="0"/>
+              <a:t> 처럼 유저</a:t>
+            </a:r>
+            <a:r>
+              <a:rPr lang="en-US" altLang="ko-KR" dirty="0"/>
+              <a:t>ID</a:t>
+            </a:r>
+            <a:r>
+              <a:rPr lang="ko-KR" altLang="en-US" dirty="0"/>
+              <a:t>를 출력할 것</a:t>
+            </a:r>
+            <a:endParaRPr lang="en-US" altLang="ko-KR" dirty="0"/>
+          </a:p>
+          <a:p>
+            <a:pPr lvl="1"/>
+            <a:r>
+              <a:rPr lang="en-US" altLang="ko-KR" dirty="0"/>
+              <a:t>test.js</a:t>
+            </a:r>
+            <a:r>
+              <a:rPr lang="ko-KR" altLang="en-US" dirty="0"/>
+              <a:t>를 이용해 출력</a:t>
+            </a:r>
+            <a:endParaRPr lang="en-US" altLang="ko-KR" dirty="0"/>
+          </a:p>
+          <a:p>
+            <a:pPr lvl="1"/>
+            <a:r>
+              <a:rPr lang="en-US" altLang="ko-KR" dirty="0"/>
+              <a:t>.env</a:t>
+            </a:r>
+            <a:r>
+              <a:rPr lang="ko-KR" altLang="en-US" dirty="0"/>
+              <a:t>에 기록할 것</a:t>
+            </a:r>
+            <a:endParaRPr lang="en-US" altLang="ko-KR" dirty="0"/>
           </a:p>
         </p:txBody>
       </p:sp>
@@ -12869,7 +13125,7 @@
           <p:cNvPr id="4" name="슬라이드 번호 개체 틀 3">
             <a:extLst>
               <a:ext uri="{FF2B5EF4-FFF2-40B4-BE49-F238E27FC236}">
-                <a16:creationId xmlns:a16="http://schemas.microsoft.com/office/drawing/2014/main" id="{6BC16FE9-36C1-46D1-AB31-89A3E79C9326}"/>
+                <a16:creationId xmlns:a16="http://schemas.microsoft.com/office/drawing/2014/main" id="{142ECA24-E003-4F6F-858B-AADE8FD40EC0}"/>
               </a:ext>
             </a:extLst>
           </p:cNvPr>
@@ -12895,138 +13151,178 @@
       </p:sp>
       <p:pic>
         <p:nvPicPr>
-          <p:cNvPr id="7" name="내용 개체 틀 6">
-            <a:extLst>
-              <a:ext uri="{FF2B5EF4-FFF2-40B4-BE49-F238E27FC236}">
-                <a16:creationId xmlns:a16="http://schemas.microsoft.com/office/drawing/2014/main" id="{A00BA568-B77E-4FB1-83C1-F17BAB931880}"/>
+          <p:cNvPr id="6" name="그림 5">
+            <a:extLst>
+              <a:ext uri="{FF2B5EF4-FFF2-40B4-BE49-F238E27FC236}">
+                <a16:creationId xmlns:a16="http://schemas.microsoft.com/office/drawing/2014/main" id="{AE016BA9-3778-4BFB-B8E9-38107BA6CEEE}"/>
               </a:ext>
             </a:extLst>
           </p:cNvPr>
           <p:cNvPicPr>
-            <a:picLocks noGrp="1" noChangeAspect="1"/>
+            <a:picLocks noChangeAspect="1"/>
           </p:cNvPicPr>
-          <p:nvPr>
-            <p:ph idx="1"/>
-          </p:nvPr>
+          <p:nvPr/>
         </p:nvPicPr>
-        <p:blipFill rotWithShape="1">
-          <a:blip r:embed="rId2"/>
-          <a:srcRect b="72761"/>
-          <a:stretch/>
+        <p:blipFill>
+          <a:blip r:embed="rId2">
+            <a:extLst>
+              <a:ext uri="{28A0092B-C50C-407E-A947-70E740481C1C}">
+                <a14:useLocalDpi xmlns:a14="http://schemas.microsoft.com/office/drawing/2010/main" val="0"/>
+              </a:ext>
+            </a:extLst>
+          </a:blip>
+          <a:stretch>
+            <a:fillRect/>
+          </a:stretch>
         </p:blipFill>
         <p:spPr>
           <a:xfrm>
-            <a:off x="395536" y="1098284"/>
-            <a:ext cx="8352927" cy="3401224"/>
+            <a:off x="1155130" y="4334937"/>
+            <a:ext cx="5898813" cy="650263"/>
           </a:xfrm>
           <a:prstGeom prst="rect">
             <a:avLst/>
           </a:prstGeom>
           <a:ln>
             <a:solidFill>
-              <a:schemeClr val="accent1"/>
+              <a:srgbClr val="FF0000"/>
             </a:solidFill>
           </a:ln>
         </p:spPr>
       </p:pic>
-      <p:sp>
-        <p:nvSpPr>
-          <p:cNvPr id="9" name="직사각형 8">
-            <a:extLst>
-              <a:ext uri="{FF2B5EF4-FFF2-40B4-BE49-F238E27FC236}">
-                <a16:creationId xmlns:a16="http://schemas.microsoft.com/office/drawing/2014/main" id="{3B3C347A-0A7B-4184-A726-7B80B631A2B8}"/>
-              </a:ext>
-            </a:extLst>
-          </p:cNvPr>
-          <p:cNvSpPr/>
+      <p:pic>
+        <p:nvPicPr>
+          <p:cNvPr id="8" name="그림 7">
+            <a:extLst>
+              <a:ext uri="{FF2B5EF4-FFF2-40B4-BE49-F238E27FC236}">
+                <a16:creationId xmlns:a16="http://schemas.microsoft.com/office/drawing/2014/main" id="{1A3175F8-6693-49D1-990A-7A04CCCBE684}"/>
+              </a:ext>
+            </a:extLst>
+          </p:cNvPr>
+          <p:cNvPicPr>
+            <a:picLocks noChangeAspect="1"/>
+          </p:cNvPicPr>
           <p:nvPr/>
-        </p:nvSpPr>
+        </p:nvPicPr>
+        <p:blipFill>
+          <a:blip r:embed="rId3">
+            <a:extLst>
+              <a:ext uri="{28A0092B-C50C-407E-A947-70E740481C1C}">
+                <a14:useLocalDpi xmlns:a14="http://schemas.microsoft.com/office/drawing/2010/main" val="0"/>
+              </a:ext>
+            </a:extLst>
+          </a:blip>
+          <a:stretch>
+            <a:fillRect/>
+          </a:stretch>
+        </p:blipFill>
         <p:spPr>
           <a:xfrm>
-            <a:off x="588204" y="4542965"/>
-            <a:ext cx="7292253" cy="646331"/>
+            <a:off x="1155130" y="5105706"/>
+            <a:ext cx="4360299" cy="977734"/>
+          </a:xfrm>
+          <a:prstGeom prst="rect">
+            <a:avLst/>
+          </a:prstGeom>
+          <a:ln>
+            <a:solidFill>
+              <a:srgbClr val="FF0000"/>
+            </a:solidFill>
+          </a:ln>
+        </p:spPr>
+      </p:pic>
+      <p:pic>
+        <p:nvPicPr>
+          <p:cNvPr id="10" name="그림 9">
+            <a:extLst>
+              <a:ext uri="{FF2B5EF4-FFF2-40B4-BE49-F238E27FC236}">
+                <a16:creationId xmlns:a16="http://schemas.microsoft.com/office/drawing/2014/main" id="{4C0E060B-5D4E-48E4-A3D8-EAE9326CB698}"/>
+              </a:ext>
+            </a:extLst>
+          </p:cNvPr>
+          <p:cNvPicPr>
+            <a:picLocks noChangeAspect="1"/>
+          </p:cNvPicPr>
+          <p:nvPr/>
+        </p:nvPicPr>
+        <p:blipFill>
+          <a:blip r:embed="rId4">
+            <a:extLst>
+              <a:ext uri="{28A0092B-C50C-407E-A947-70E740481C1C}">
+                <a14:useLocalDpi xmlns:a14="http://schemas.microsoft.com/office/drawing/2010/main" val="0"/>
+              </a:ext>
+            </a:extLst>
+          </a:blip>
+          <a:stretch>
+            <a:fillRect/>
+          </a:stretch>
+        </p:blipFill>
+        <p:spPr>
+          <a:xfrm>
+            <a:off x="1155129" y="2874199"/>
+            <a:ext cx="3755035" cy="1215659"/>
           </a:xfrm>
           <a:prstGeom prst="rect">
             <a:avLst/>
           </a:prstGeom>
         </p:spPr>
-        <p:txBody>
-          <a:bodyPr wrap="none">
-            <a:spAutoFit/>
-          </a:bodyPr>
-          <a:lstStyle/>
-          <a:p>
-            <a:r>
-              <a:rPr lang="en-US" altLang="ko-KR" dirty="0">
-                <a:solidFill>
-                  <a:srgbClr val="FF0000"/>
-                </a:solidFill>
-              </a:rPr>
-              <a:t>* Status </a:t>
-            </a:r>
-            <a:r>
-              <a:rPr lang="ko-KR" altLang="en-US" dirty="0">
-                <a:solidFill>
-                  <a:srgbClr val="FF0000"/>
-                </a:solidFill>
-              </a:rPr>
-              <a:t>를 하나씩 전진시키면서</a:t>
-            </a:r>
-            <a:r>
-              <a:rPr lang="en-US" altLang="ko-KR" dirty="0">
-                <a:solidFill>
-                  <a:srgbClr val="FF0000"/>
-                </a:solidFill>
-              </a:rPr>
-              <a:t>, </a:t>
-            </a:r>
-            <a:r>
-              <a:rPr lang="ko-KR" altLang="en-US" dirty="0">
-                <a:solidFill>
-                  <a:srgbClr val="FF0000"/>
-                </a:solidFill>
-              </a:rPr>
-              <a:t>각 테스트 케이스의 응답을 확인하고</a:t>
-            </a:r>
-            <a:r>
-              <a:rPr lang="en-US" altLang="ko-KR" dirty="0">
-                <a:solidFill>
-                  <a:srgbClr val="FF0000"/>
-                </a:solidFill>
-              </a:rPr>
-              <a:t>, </a:t>
-            </a:r>
-            <a:br>
-              <a:rPr lang="en-US" altLang="ko-KR" dirty="0">
-                <a:solidFill>
-                  <a:srgbClr val="FF0000"/>
-                </a:solidFill>
-              </a:rPr>
-            </a:br>
-            <a:r>
-              <a:rPr lang="en-US" altLang="ko-KR" dirty="0">
-                <a:solidFill>
-                  <a:srgbClr val="FF0000"/>
-                </a:solidFill>
-              </a:rPr>
-              <a:t>  </a:t>
-            </a:r>
-            <a:r>
-              <a:rPr lang="ko-KR" altLang="en-US" dirty="0">
-                <a:solidFill>
-                  <a:srgbClr val="FF0000"/>
-                </a:solidFill>
-              </a:rPr>
-              <a:t>다음 테스트를 위한 메시지를 전달함</a:t>
-            </a:r>
-            <a:endParaRPr lang="ko-KR" altLang="en-US" dirty="0"/>
+      </p:pic>
+      <p:sp>
+        <p:nvSpPr>
+          <p:cNvPr id="11" name="직사각형 10">
+            <a:extLst>
+              <a:ext uri="{FF2B5EF4-FFF2-40B4-BE49-F238E27FC236}">
+                <a16:creationId xmlns:a16="http://schemas.microsoft.com/office/drawing/2014/main" id="{787ADFAF-B50D-487B-8D8D-73CAE27B5215}"/>
+              </a:ext>
+            </a:extLst>
+          </p:cNvPr>
+          <p:cNvSpPr/>
+          <p:nvPr/>
+        </p:nvSpPr>
+        <p:spPr>
+          <a:xfrm>
+            <a:off x="1853967" y="3640822"/>
+            <a:ext cx="2600587" cy="360727"/>
+          </a:xfrm>
+          <a:prstGeom prst="rect">
+            <a:avLst/>
+          </a:prstGeom>
+          <a:noFill/>
+          <a:ln>
+            <a:solidFill>
+              <a:srgbClr val="FF0000"/>
+            </a:solidFill>
+          </a:ln>
+        </p:spPr>
+        <p:style>
+          <a:lnRef idx="2">
+            <a:schemeClr val="accent1">
+              <a:shade val="50000"/>
+            </a:schemeClr>
+          </a:lnRef>
+          <a:fillRef idx="1">
+            <a:schemeClr val="accent1"/>
+          </a:fillRef>
+          <a:effectRef idx="0">
+            <a:schemeClr val="accent1"/>
+          </a:effectRef>
+          <a:fontRef idx="minor">
+            <a:schemeClr val="lt1"/>
+          </a:fontRef>
+        </p:style>
+        <p:txBody>
+          <a:bodyPr rtlCol="0" anchor="ctr"/>
+          <a:lstStyle/>
+          <a:p>
+            <a:pPr algn="ctr"/>
+            <a:endParaRPr lang="ko-KR" altLang="en-US"/>
           </a:p>
         </p:txBody>
       </p:sp>
     </p:spTree>
     <p:extLst>
       <p:ext uri="{BB962C8B-B14F-4D97-AF65-F5344CB8AC3E}">
-        <p14:creationId xmlns:p14="http://schemas.microsoft.com/office/powerpoint/2010/main" val="2055104950"/>
+        <p14:creationId xmlns:p14="http://schemas.microsoft.com/office/powerpoint/2010/main" val="2850811316"/>
       </p:ext>
     </p:extLst>
   </p:cSld>
@@ -13053,52 +13349,12 @@
           <a:chExt cx="0" cy="0"/>
         </a:xfrm>
       </p:grpSpPr>
-      <p:sp>
-        <p:nvSpPr>
-          <p:cNvPr id="2" name="제목 1">
-            <a:extLst>
-              <a:ext uri="{FF2B5EF4-FFF2-40B4-BE49-F238E27FC236}">
-                <a16:creationId xmlns:a16="http://schemas.microsoft.com/office/drawing/2014/main" id="{11D0E8A1-6401-4104-A53E-C333CB23C49F}"/>
-              </a:ext>
-            </a:extLst>
-          </p:cNvPr>
-          <p:cNvSpPr>
-            <a:spLocks noGrp="1"/>
-          </p:cNvSpPr>
-          <p:nvPr>
-            <p:ph type="title"/>
-          </p:nvPr>
-        </p:nvSpPr>
-        <p:spPr/>
-        <p:txBody>
-          <a:bodyPr/>
-          <a:lstStyle/>
-          <a:p>
-            <a:r>
-              <a:rPr lang="en-US" altLang="ko-KR" dirty="0"/>
-              <a:t>test.js (2/2) </a:t>
-            </a:r>
-            <a:r>
-              <a:rPr lang="en-US" altLang="ko-KR" dirty="0" err="1"/>
-              <a:t>rtm.on</a:t>
-            </a:r>
-            <a:r>
-              <a:rPr lang="en-US" altLang="ko-KR" dirty="0"/>
-              <a:t>(‘message’) </a:t>
-            </a:r>
-            <a:r>
-              <a:rPr lang="ko-KR" altLang="en-US" dirty="0"/>
-              <a:t>전체</a:t>
-            </a:r>
-          </a:p>
-        </p:txBody>
-      </p:sp>
       <p:pic>
         <p:nvPicPr>
-          <p:cNvPr id="5" name="내용 개체 틀 4">
-            <a:extLst>
-              <a:ext uri="{FF2B5EF4-FFF2-40B4-BE49-F238E27FC236}">
-                <a16:creationId xmlns:a16="http://schemas.microsoft.com/office/drawing/2014/main" id="{EE2E7814-50E7-4DA5-AC07-379A2ADF4B2E}"/>
+          <p:cNvPr id="10" name="내용 개체 틀 9">
+            <a:extLst>
+              <a:ext uri="{FF2B5EF4-FFF2-40B4-BE49-F238E27FC236}">
+                <a16:creationId xmlns:a16="http://schemas.microsoft.com/office/drawing/2014/main" id="{110F8B6B-2563-40B3-92FA-7C24FC88F16A}"/>
               </a:ext>
             </a:extLst>
           </p:cNvPr>
@@ -13109,16 +13365,15 @@
             <p:ph idx="1"/>
           </p:nvPr>
         </p:nvPicPr>
-        <p:blipFill>
+        <p:blipFill rotWithShape="1">
           <a:blip r:embed="rId2"/>
-          <a:stretch>
-            <a:fillRect/>
-          </a:stretch>
+          <a:srcRect t="1302"/>
+          <a:stretch/>
         </p:blipFill>
         <p:spPr>
           <a:xfrm>
-            <a:off x="2809664" y="1498668"/>
-            <a:ext cx="3524670" cy="5268912"/>
+            <a:off x="958789" y="1061460"/>
+            <a:ext cx="7226424" cy="5310718"/>
           </a:xfrm>
           <a:prstGeom prst="rect">
             <a:avLst/>
@@ -13132,10 +13387,39 @@
       </p:pic>
       <p:sp>
         <p:nvSpPr>
+          <p:cNvPr id="2" name="제목 1">
+            <a:extLst>
+              <a:ext uri="{FF2B5EF4-FFF2-40B4-BE49-F238E27FC236}">
+                <a16:creationId xmlns:a16="http://schemas.microsoft.com/office/drawing/2014/main" id="{97EAC41B-372A-48D3-A485-DCAEE50630BF}"/>
+              </a:ext>
+            </a:extLst>
+          </p:cNvPr>
+          <p:cNvSpPr>
+            <a:spLocks noGrp="1"/>
+          </p:cNvSpPr>
+          <p:nvPr>
+            <p:ph type="title"/>
+          </p:nvPr>
+        </p:nvSpPr>
+        <p:spPr/>
+        <p:txBody>
+          <a:bodyPr/>
+          <a:lstStyle/>
+          <a:p>
+            <a:r>
+              <a:rPr lang="en-US" altLang="ko-KR" dirty="0"/>
+              <a:t>test.js (1/2)</a:t>
+            </a:r>
+            <a:endParaRPr lang="ko-KR" altLang="en-US" dirty="0"/>
+          </a:p>
+        </p:txBody>
+      </p:sp>
+      <p:sp>
+        <p:nvSpPr>
           <p:cNvPr id="4" name="슬라이드 번호 개체 틀 3">
             <a:extLst>
               <a:ext uri="{FF2B5EF4-FFF2-40B4-BE49-F238E27FC236}">
-                <a16:creationId xmlns:a16="http://schemas.microsoft.com/office/drawing/2014/main" id="{A24718C1-2920-4CE9-A709-8893C218D6F7}"/>
+                <a16:creationId xmlns:a16="http://schemas.microsoft.com/office/drawing/2014/main" id="{B355F40D-589B-48C3-9849-EB66B8DA8F16}"/>
               </a:ext>
             </a:extLst>
           </p:cNvPr>
@@ -13161,10 +13445,10 @@
       </p:sp>
       <p:sp>
         <p:nvSpPr>
-          <p:cNvPr id="6" name="직사각형 5">
-            <a:extLst>
-              <a:ext uri="{FF2B5EF4-FFF2-40B4-BE49-F238E27FC236}">
-                <a16:creationId xmlns:a16="http://schemas.microsoft.com/office/drawing/2014/main" id="{0DCFAE86-A7B4-4190-8394-F376EAED4652}"/>
+          <p:cNvPr id="5" name="직사각형 4">
+            <a:extLst>
+              <a:ext uri="{FF2B5EF4-FFF2-40B4-BE49-F238E27FC236}">
+                <a16:creationId xmlns:a16="http://schemas.microsoft.com/office/drawing/2014/main" id="{40FE4895-9447-46FE-BC5D-A14A44E820FA}"/>
               </a:ext>
             </a:extLst>
           </p:cNvPr>
@@ -13173,8 +13457,8 @@
         </p:nvSpPr>
         <p:spPr>
           <a:xfrm>
-            <a:off x="810393" y="1058863"/>
-            <a:ext cx="7523213" cy="369332"/>
+            <a:off x="4138421" y="4672751"/>
+            <a:ext cx="4147482" cy="646331"/>
           </a:xfrm>
           <a:prstGeom prst="rect">
             <a:avLst/>
@@ -13195,28 +13479,43 @@
               <a:t>* </a:t>
             </a:r>
             <a:r>
+              <a:rPr lang="ko-KR" altLang="en-US" dirty="0" err="1">
+                <a:solidFill>
+                  <a:srgbClr val="FF0000"/>
+                </a:solidFill>
+              </a:rPr>
+              <a:t>슬랙과</a:t>
+            </a:r>
+            <a:r>
               <a:rPr lang="ko-KR" altLang="en-US" dirty="0">
                 <a:solidFill>
                   <a:srgbClr val="FF0000"/>
                 </a:solidFill>
               </a:rPr>
-              <a:t>텍스트들을 다른 파일로 관리하고 </a:t>
-            </a:r>
-            <a:r>
-              <a:rPr lang="ko-KR" altLang="en-US" dirty="0" err="1">
+              <a:t> 정상 접속되면 발생하는 </a:t>
+            </a:r>
+            <a:r>
+              <a:rPr lang="en-US" altLang="ko-KR" dirty="0">
                 <a:solidFill>
                   <a:srgbClr val="FF0000"/>
                 </a:solidFill>
               </a:rPr>
-              <a:t>챗봇</a:t>
-            </a:r>
+              <a:t>ready </a:t>
+            </a:r>
+            <a:br>
+              <a:rPr lang="en-US" altLang="ko-KR" dirty="0">
+                <a:solidFill>
+                  <a:srgbClr val="FF0000"/>
+                </a:solidFill>
+              </a:rPr>
+            </a:br>
             <a:r>
               <a:rPr lang="ko-KR" altLang="en-US" dirty="0">
                 <a:solidFill>
                   <a:srgbClr val="FF0000"/>
                 </a:solidFill>
               </a:rPr>
-              <a:t> 프로그램과 공유하면 더 좋을 듯</a:t>
+              <a:t>이벤트를 이용해 먼저 말을 하도록 함</a:t>
             </a:r>
             <a:endParaRPr lang="ko-KR" altLang="en-US" dirty="0"/>
           </a:p>
@@ -13225,7 +13524,7 @@
     </p:spTree>
     <p:extLst>
       <p:ext uri="{BB962C8B-B14F-4D97-AF65-F5344CB8AC3E}">
-        <p14:creationId xmlns:p14="http://schemas.microsoft.com/office/powerpoint/2010/main" val="2450655699"/>
+        <p14:creationId xmlns:p14="http://schemas.microsoft.com/office/powerpoint/2010/main" val="2883291875"/>
       </p:ext>
     </p:extLst>
   </p:cSld>
@@ -13257,7 +13556,7 @@
           <p:cNvPr id="2" name="제목 1">
             <a:extLst>
               <a:ext uri="{FF2B5EF4-FFF2-40B4-BE49-F238E27FC236}">
-                <a16:creationId xmlns:a16="http://schemas.microsoft.com/office/drawing/2014/main" id="{F15088C9-853A-4926-BF25-9F06BA60D6F8}"/>
+                <a16:creationId xmlns:a16="http://schemas.microsoft.com/office/drawing/2014/main" id="{EFB67C10-ABFD-4929-97D7-254C2803F74C}"/>
               </a:ext>
             </a:extLst>
           </p:cNvPr>
@@ -13274,9 +13573,10 @@
           <a:lstStyle/>
           <a:p>
             <a:r>
-              <a:rPr lang="ko-KR" altLang="en-US" dirty="0"/>
-              <a:t>수행 결과</a:t>
-            </a:r>
+              <a:rPr lang="en-US" altLang="ko-KR" dirty="0"/>
+              <a:t>test.js (2/2)</a:t>
+            </a:r>
+            <a:endParaRPr lang="ko-KR" altLang="en-US" dirty="0"/>
           </a:p>
         </p:txBody>
       </p:sp>
@@ -13285,7 +13585,7 @@
           <p:cNvPr id="4" name="슬라이드 번호 개체 틀 3">
             <a:extLst>
               <a:ext uri="{FF2B5EF4-FFF2-40B4-BE49-F238E27FC236}">
-                <a16:creationId xmlns:a16="http://schemas.microsoft.com/office/drawing/2014/main" id="{0C7E8073-4EAB-4D23-A808-1D9ABD3744EE}"/>
+                <a16:creationId xmlns:a16="http://schemas.microsoft.com/office/drawing/2014/main" id="{6BC16FE9-36C1-46D1-AB31-89A3E79C9326}"/>
               </a:ext>
             </a:extLst>
           </p:cNvPr>
@@ -13304,6 +13604,422 @@
             <a:fld id="{64F0D409-D3F6-4EEC-8C77-1F5E89989FFB}" type="slidenum">
               <a:rPr lang="ko-KR" altLang="en-US" smtClean="0"/>
               <a:t>45</a:t>
+            </a:fld>
+            <a:endParaRPr lang="ko-KR" altLang="en-US"/>
+          </a:p>
+        </p:txBody>
+      </p:sp>
+      <p:pic>
+        <p:nvPicPr>
+          <p:cNvPr id="7" name="내용 개체 틀 6">
+            <a:extLst>
+              <a:ext uri="{FF2B5EF4-FFF2-40B4-BE49-F238E27FC236}">
+                <a16:creationId xmlns:a16="http://schemas.microsoft.com/office/drawing/2014/main" id="{A00BA568-B77E-4FB1-83C1-F17BAB931880}"/>
+              </a:ext>
+            </a:extLst>
+          </p:cNvPr>
+          <p:cNvPicPr>
+            <a:picLocks noGrp="1" noChangeAspect="1"/>
+          </p:cNvPicPr>
+          <p:nvPr>
+            <p:ph idx="1"/>
+          </p:nvPr>
+        </p:nvPicPr>
+        <p:blipFill rotWithShape="1">
+          <a:blip r:embed="rId2"/>
+          <a:srcRect b="72761"/>
+          <a:stretch/>
+        </p:blipFill>
+        <p:spPr>
+          <a:xfrm>
+            <a:off x="395536" y="1098284"/>
+            <a:ext cx="8352927" cy="3401224"/>
+          </a:xfrm>
+          <a:prstGeom prst="rect">
+            <a:avLst/>
+          </a:prstGeom>
+          <a:ln>
+            <a:solidFill>
+              <a:schemeClr val="accent1"/>
+            </a:solidFill>
+          </a:ln>
+        </p:spPr>
+      </p:pic>
+      <p:sp>
+        <p:nvSpPr>
+          <p:cNvPr id="9" name="직사각형 8">
+            <a:extLst>
+              <a:ext uri="{FF2B5EF4-FFF2-40B4-BE49-F238E27FC236}">
+                <a16:creationId xmlns:a16="http://schemas.microsoft.com/office/drawing/2014/main" id="{3B3C347A-0A7B-4184-A726-7B80B631A2B8}"/>
+              </a:ext>
+            </a:extLst>
+          </p:cNvPr>
+          <p:cNvSpPr/>
+          <p:nvPr/>
+        </p:nvSpPr>
+        <p:spPr>
+          <a:xfrm>
+            <a:off x="588204" y="4542965"/>
+            <a:ext cx="7292253" cy="646331"/>
+          </a:xfrm>
+          <a:prstGeom prst="rect">
+            <a:avLst/>
+          </a:prstGeom>
+        </p:spPr>
+        <p:txBody>
+          <a:bodyPr wrap="none">
+            <a:spAutoFit/>
+          </a:bodyPr>
+          <a:lstStyle/>
+          <a:p>
+            <a:r>
+              <a:rPr lang="en-US" altLang="ko-KR" dirty="0">
+                <a:solidFill>
+                  <a:srgbClr val="FF0000"/>
+                </a:solidFill>
+              </a:rPr>
+              <a:t>* Status </a:t>
+            </a:r>
+            <a:r>
+              <a:rPr lang="ko-KR" altLang="en-US" dirty="0">
+                <a:solidFill>
+                  <a:srgbClr val="FF0000"/>
+                </a:solidFill>
+              </a:rPr>
+              <a:t>를 하나씩 전진시키면서</a:t>
+            </a:r>
+            <a:r>
+              <a:rPr lang="en-US" altLang="ko-KR" dirty="0">
+                <a:solidFill>
+                  <a:srgbClr val="FF0000"/>
+                </a:solidFill>
+              </a:rPr>
+              <a:t>, </a:t>
+            </a:r>
+            <a:r>
+              <a:rPr lang="ko-KR" altLang="en-US" dirty="0">
+                <a:solidFill>
+                  <a:srgbClr val="FF0000"/>
+                </a:solidFill>
+              </a:rPr>
+              <a:t>각 테스트 케이스의 응답을 확인하고</a:t>
+            </a:r>
+            <a:r>
+              <a:rPr lang="en-US" altLang="ko-KR" dirty="0">
+                <a:solidFill>
+                  <a:srgbClr val="FF0000"/>
+                </a:solidFill>
+              </a:rPr>
+              <a:t>, </a:t>
+            </a:r>
+            <a:br>
+              <a:rPr lang="en-US" altLang="ko-KR" dirty="0">
+                <a:solidFill>
+                  <a:srgbClr val="FF0000"/>
+                </a:solidFill>
+              </a:rPr>
+            </a:br>
+            <a:r>
+              <a:rPr lang="en-US" altLang="ko-KR" dirty="0">
+                <a:solidFill>
+                  <a:srgbClr val="FF0000"/>
+                </a:solidFill>
+              </a:rPr>
+              <a:t>  </a:t>
+            </a:r>
+            <a:r>
+              <a:rPr lang="ko-KR" altLang="en-US" dirty="0">
+                <a:solidFill>
+                  <a:srgbClr val="FF0000"/>
+                </a:solidFill>
+              </a:rPr>
+              <a:t>다음 테스트를 위한 메시지를 전달함</a:t>
+            </a:r>
+            <a:endParaRPr lang="ko-KR" altLang="en-US" dirty="0"/>
+          </a:p>
+        </p:txBody>
+      </p:sp>
+    </p:spTree>
+    <p:extLst>
+      <p:ext uri="{BB962C8B-B14F-4D97-AF65-F5344CB8AC3E}">
+        <p14:creationId xmlns:p14="http://schemas.microsoft.com/office/powerpoint/2010/main" val="2055104950"/>
+      </p:ext>
+    </p:extLst>
+  </p:cSld>
+  <p:clrMapOvr>
+    <a:masterClrMapping/>
+  </p:clrMapOvr>
+</p:sld>
+</file>
+
+<file path=ppt/slides/slide46.xml><?xml version="1.0" encoding="utf-8"?>
+<p:sld xmlns:a="http://schemas.openxmlformats.org/drawingml/2006/main" xmlns:r="http://schemas.openxmlformats.org/officeDocument/2006/relationships" xmlns:p="http://schemas.openxmlformats.org/presentationml/2006/main">
+  <p:cSld>
+    <p:spTree>
+      <p:nvGrpSpPr>
+        <p:cNvPr id="1" name=""/>
+        <p:cNvGrpSpPr/>
+        <p:nvPr/>
+      </p:nvGrpSpPr>
+      <p:grpSpPr>
+        <a:xfrm>
+          <a:off x="0" y="0"/>
+          <a:ext cx="0" cy="0"/>
+          <a:chOff x="0" y="0"/>
+          <a:chExt cx="0" cy="0"/>
+        </a:xfrm>
+      </p:grpSpPr>
+      <p:sp>
+        <p:nvSpPr>
+          <p:cNvPr id="2" name="제목 1">
+            <a:extLst>
+              <a:ext uri="{FF2B5EF4-FFF2-40B4-BE49-F238E27FC236}">
+                <a16:creationId xmlns:a16="http://schemas.microsoft.com/office/drawing/2014/main" id="{11D0E8A1-6401-4104-A53E-C333CB23C49F}"/>
+              </a:ext>
+            </a:extLst>
+          </p:cNvPr>
+          <p:cNvSpPr>
+            <a:spLocks noGrp="1"/>
+          </p:cNvSpPr>
+          <p:nvPr>
+            <p:ph type="title"/>
+          </p:nvPr>
+        </p:nvSpPr>
+        <p:spPr/>
+        <p:txBody>
+          <a:bodyPr/>
+          <a:lstStyle/>
+          <a:p>
+            <a:r>
+              <a:rPr lang="en-US" altLang="ko-KR" dirty="0"/>
+              <a:t>test.js (2/2) </a:t>
+            </a:r>
+            <a:r>
+              <a:rPr lang="en-US" altLang="ko-KR" dirty="0" err="1"/>
+              <a:t>rtm.on</a:t>
+            </a:r>
+            <a:r>
+              <a:rPr lang="en-US" altLang="ko-KR" dirty="0"/>
+              <a:t>(‘message’) </a:t>
+            </a:r>
+            <a:r>
+              <a:rPr lang="ko-KR" altLang="en-US" dirty="0"/>
+              <a:t>전체</a:t>
+            </a:r>
+          </a:p>
+        </p:txBody>
+      </p:sp>
+      <p:pic>
+        <p:nvPicPr>
+          <p:cNvPr id="5" name="내용 개체 틀 4">
+            <a:extLst>
+              <a:ext uri="{FF2B5EF4-FFF2-40B4-BE49-F238E27FC236}">
+                <a16:creationId xmlns:a16="http://schemas.microsoft.com/office/drawing/2014/main" id="{EE2E7814-50E7-4DA5-AC07-379A2ADF4B2E}"/>
+              </a:ext>
+            </a:extLst>
+          </p:cNvPr>
+          <p:cNvPicPr>
+            <a:picLocks noGrp="1" noChangeAspect="1"/>
+          </p:cNvPicPr>
+          <p:nvPr>
+            <p:ph idx="1"/>
+          </p:nvPr>
+        </p:nvPicPr>
+        <p:blipFill>
+          <a:blip r:embed="rId2"/>
+          <a:stretch>
+            <a:fillRect/>
+          </a:stretch>
+        </p:blipFill>
+        <p:spPr>
+          <a:xfrm>
+            <a:off x="2809664" y="1498668"/>
+            <a:ext cx="3524670" cy="5268912"/>
+          </a:xfrm>
+          <a:prstGeom prst="rect">
+            <a:avLst/>
+          </a:prstGeom>
+          <a:ln>
+            <a:solidFill>
+              <a:schemeClr val="accent1"/>
+            </a:solidFill>
+          </a:ln>
+        </p:spPr>
+      </p:pic>
+      <p:sp>
+        <p:nvSpPr>
+          <p:cNvPr id="4" name="슬라이드 번호 개체 틀 3">
+            <a:extLst>
+              <a:ext uri="{FF2B5EF4-FFF2-40B4-BE49-F238E27FC236}">
+                <a16:creationId xmlns:a16="http://schemas.microsoft.com/office/drawing/2014/main" id="{A24718C1-2920-4CE9-A709-8893C218D6F7}"/>
+              </a:ext>
+            </a:extLst>
+          </p:cNvPr>
+          <p:cNvSpPr>
+            <a:spLocks noGrp="1"/>
+          </p:cNvSpPr>
+          <p:nvPr>
+            <p:ph type="sldNum" sz="quarter" idx="12"/>
+          </p:nvPr>
+        </p:nvSpPr>
+        <p:spPr/>
+        <p:txBody>
+          <a:bodyPr/>
+          <a:lstStyle/>
+          <a:p>
+            <a:fld id="{64F0D409-D3F6-4EEC-8C77-1F5E89989FFB}" type="slidenum">
+              <a:rPr lang="ko-KR" altLang="en-US" smtClean="0"/>
+              <a:t>46</a:t>
+            </a:fld>
+            <a:endParaRPr lang="ko-KR" altLang="en-US"/>
+          </a:p>
+        </p:txBody>
+      </p:sp>
+      <p:sp>
+        <p:nvSpPr>
+          <p:cNvPr id="6" name="직사각형 5">
+            <a:extLst>
+              <a:ext uri="{FF2B5EF4-FFF2-40B4-BE49-F238E27FC236}">
+                <a16:creationId xmlns:a16="http://schemas.microsoft.com/office/drawing/2014/main" id="{0DCFAE86-A7B4-4190-8394-F376EAED4652}"/>
+              </a:ext>
+            </a:extLst>
+          </p:cNvPr>
+          <p:cNvSpPr/>
+          <p:nvPr/>
+        </p:nvSpPr>
+        <p:spPr>
+          <a:xfrm>
+            <a:off x="810393" y="1058863"/>
+            <a:ext cx="7523213" cy="369332"/>
+          </a:xfrm>
+          <a:prstGeom prst="rect">
+            <a:avLst/>
+          </a:prstGeom>
+        </p:spPr>
+        <p:txBody>
+          <a:bodyPr wrap="none">
+            <a:spAutoFit/>
+          </a:bodyPr>
+          <a:lstStyle/>
+          <a:p>
+            <a:r>
+              <a:rPr lang="en-US" altLang="ko-KR" dirty="0">
+                <a:solidFill>
+                  <a:srgbClr val="FF0000"/>
+                </a:solidFill>
+              </a:rPr>
+              <a:t>* </a:t>
+            </a:r>
+            <a:r>
+              <a:rPr lang="ko-KR" altLang="en-US" dirty="0">
+                <a:solidFill>
+                  <a:srgbClr val="FF0000"/>
+                </a:solidFill>
+              </a:rPr>
+              <a:t>텍스트들을 다른 파일로 관리하고 </a:t>
+            </a:r>
+            <a:r>
+              <a:rPr lang="ko-KR" altLang="en-US" dirty="0" err="1">
+                <a:solidFill>
+                  <a:srgbClr val="FF0000"/>
+                </a:solidFill>
+              </a:rPr>
+              <a:t>챗봇</a:t>
+            </a:r>
+            <a:r>
+              <a:rPr lang="ko-KR" altLang="en-US" dirty="0">
+                <a:solidFill>
+                  <a:srgbClr val="FF0000"/>
+                </a:solidFill>
+              </a:rPr>
+              <a:t> 프로그램과 공유하면 더 좋을 듯</a:t>
+            </a:r>
+            <a:endParaRPr lang="ko-KR" altLang="en-US" dirty="0"/>
+          </a:p>
+        </p:txBody>
+      </p:sp>
+    </p:spTree>
+    <p:extLst>
+      <p:ext uri="{BB962C8B-B14F-4D97-AF65-F5344CB8AC3E}">
+        <p14:creationId xmlns:p14="http://schemas.microsoft.com/office/powerpoint/2010/main" val="2450655699"/>
+      </p:ext>
+    </p:extLst>
+  </p:cSld>
+  <p:clrMapOvr>
+    <a:masterClrMapping/>
+  </p:clrMapOvr>
+</p:sld>
+</file>
+
+<file path=ppt/slides/slide47.xml><?xml version="1.0" encoding="utf-8"?>
+<p:sld xmlns:a="http://schemas.openxmlformats.org/drawingml/2006/main" xmlns:r="http://schemas.openxmlformats.org/officeDocument/2006/relationships" xmlns:p="http://schemas.openxmlformats.org/presentationml/2006/main">
+  <p:cSld>
+    <p:spTree>
+      <p:nvGrpSpPr>
+        <p:cNvPr id="1" name=""/>
+        <p:cNvGrpSpPr/>
+        <p:nvPr/>
+      </p:nvGrpSpPr>
+      <p:grpSpPr>
+        <a:xfrm>
+          <a:off x="0" y="0"/>
+          <a:ext cx="0" cy="0"/>
+          <a:chOff x="0" y="0"/>
+          <a:chExt cx="0" cy="0"/>
+        </a:xfrm>
+      </p:grpSpPr>
+      <p:sp>
+        <p:nvSpPr>
+          <p:cNvPr id="2" name="제목 1">
+            <a:extLst>
+              <a:ext uri="{FF2B5EF4-FFF2-40B4-BE49-F238E27FC236}">
+                <a16:creationId xmlns:a16="http://schemas.microsoft.com/office/drawing/2014/main" id="{F15088C9-853A-4926-BF25-9F06BA60D6F8}"/>
+              </a:ext>
+            </a:extLst>
+          </p:cNvPr>
+          <p:cNvSpPr>
+            <a:spLocks noGrp="1"/>
+          </p:cNvSpPr>
+          <p:nvPr>
+            <p:ph type="title"/>
+          </p:nvPr>
+        </p:nvSpPr>
+        <p:spPr/>
+        <p:txBody>
+          <a:bodyPr/>
+          <a:lstStyle/>
+          <a:p>
+            <a:r>
+              <a:rPr lang="ko-KR" altLang="en-US" dirty="0"/>
+              <a:t>수행 결과</a:t>
+            </a:r>
+          </a:p>
+        </p:txBody>
+      </p:sp>
+      <p:sp>
+        <p:nvSpPr>
+          <p:cNvPr id="4" name="슬라이드 번호 개체 틀 3">
+            <a:extLst>
+              <a:ext uri="{FF2B5EF4-FFF2-40B4-BE49-F238E27FC236}">
+                <a16:creationId xmlns:a16="http://schemas.microsoft.com/office/drawing/2014/main" id="{0C7E8073-4EAB-4D23-A808-1D9ABD3744EE}"/>
+              </a:ext>
+            </a:extLst>
+          </p:cNvPr>
+          <p:cNvSpPr>
+            <a:spLocks noGrp="1"/>
+          </p:cNvSpPr>
+          <p:nvPr>
+            <p:ph type="sldNum" sz="quarter" idx="12"/>
+          </p:nvPr>
+        </p:nvSpPr>
+        <p:spPr/>
+        <p:txBody>
+          <a:bodyPr/>
+          <a:lstStyle/>
+          <a:p>
+            <a:fld id="{64F0D409-D3F6-4EEC-8C77-1F5E89989FFB}" type="slidenum">
+              <a:rPr lang="ko-KR" altLang="en-US" smtClean="0"/>
+              <a:t>47</a:t>
             </a:fld>
             <a:endParaRPr lang="ko-KR" altLang="en-US"/>
           </a:p>
@@ -13359,7 +14075,7 @@
 </p:sld>
 </file>
 
-<file path=ppt/slides/slide46.xml><?xml version="1.0" encoding="utf-8"?>
+<file path=ppt/slides/slide48.xml><?xml version="1.0" encoding="utf-8"?>
 <p:sld xmlns:a="http://schemas.openxmlformats.org/drawingml/2006/main" xmlns:r="http://schemas.openxmlformats.org/officeDocument/2006/relationships" xmlns:p="http://schemas.openxmlformats.org/presentationml/2006/main">
   <p:cSld>
     <p:spTree>
@@ -13440,7 +14156,7 @@
           <a:p>
             <a:fld id="{64F0D409-D3F6-4EEC-8C77-1F5E89989FFB}" type="slidenum">
               <a:rPr lang="ko-KR" altLang="en-US" smtClean="0"/>
-              <a:t>46</a:t>
+              <a:t>48</a:t>
             </a:fld>
             <a:endParaRPr lang="ko-KR" altLang="en-US"/>
           </a:p>
@@ -13594,7 +14310,7 @@
 </p:sld>
 </file>
 
-<file path=ppt/slides/slide47.xml><?xml version="1.0" encoding="utf-8"?>
+<file path=ppt/slides/slide49.xml><?xml version="1.0" encoding="utf-8"?>
 <p:sld xmlns:a="http://schemas.openxmlformats.org/drawingml/2006/main" xmlns:r="http://schemas.openxmlformats.org/officeDocument/2006/relationships" xmlns:p="http://schemas.openxmlformats.org/presentationml/2006/main">
   <p:cSld>
     <p:spTree>
@@ -13662,7 +14378,7 @@
           <a:p>
             <a:fld id="{64F0D409-D3F6-4EEC-8C77-1F5E89989FFB}" type="slidenum">
               <a:rPr lang="ko-KR" altLang="en-US" smtClean="0"/>
-              <a:t>47</a:t>
+              <a:t>49</a:t>
             </a:fld>
             <a:endParaRPr lang="ko-KR" altLang="en-US"/>
           </a:p>
@@ -13753,470 +14469,6 @@
 </p:sld>
 </file>
 
-<file path=ppt/slides/slide48.xml><?xml version="1.0" encoding="utf-8"?>
-<p:sld xmlns:a="http://schemas.openxmlformats.org/drawingml/2006/main" xmlns:r="http://schemas.openxmlformats.org/officeDocument/2006/relationships" xmlns:p="http://schemas.openxmlformats.org/presentationml/2006/main">
-  <p:cSld>
-    <p:spTree>
-      <p:nvGrpSpPr>
-        <p:cNvPr id="1" name=""/>
-        <p:cNvGrpSpPr/>
-        <p:nvPr/>
-      </p:nvGrpSpPr>
-      <p:grpSpPr>
-        <a:xfrm>
-          <a:off x="0" y="0"/>
-          <a:ext cx="0" cy="0"/>
-          <a:chOff x="0" y="0"/>
-          <a:chExt cx="0" cy="0"/>
-        </a:xfrm>
-      </p:grpSpPr>
-      <p:sp>
-        <p:nvSpPr>
-          <p:cNvPr id="7" name="제목 6">
-            <a:extLst>
-              <a:ext uri="{FF2B5EF4-FFF2-40B4-BE49-F238E27FC236}">
-                <a16:creationId xmlns:a16="http://schemas.microsoft.com/office/drawing/2014/main" id="{FC2B03E9-11CE-41A0-95B7-B6EE58183D1F}"/>
-              </a:ext>
-            </a:extLst>
-          </p:cNvPr>
-          <p:cNvSpPr>
-            <a:spLocks noGrp="1"/>
-          </p:cNvSpPr>
-          <p:nvPr>
-            <p:ph type="title"/>
-          </p:nvPr>
-        </p:nvSpPr>
-        <p:spPr/>
-        <p:txBody>
-          <a:bodyPr/>
-          <a:lstStyle/>
-          <a:p>
-            <a:r>
-              <a:rPr lang="en-US" altLang="ko-KR" dirty="0"/>
-              <a:t>Open!</a:t>
-            </a:r>
-            <a:endParaRPr lang="ko-KR" altLang="en-US" dirty="0"/>
-          </a:p>
-        </p:txBody>
-      </p:sp>
-      <p:sp>
-        <p:nvSpPr>
-          <p:cNvPr id="8" name="텍스트 개체 틀 7">
-            <a:extLst>
-              <a:ext uri="{FF2B5EF4-FFF2-40B4-BE49-F238E27FC236}">
-                <a16:creationId xmlns:a16="http://schemas.microsoft.com/office/drawing/2014/main" id="{A3D2C137-875F-43BE-A729-7A0AC5B80C9D}"/>
-              </a:ext>
-            </a:extLst>
-          </p:cNvPr>
-          <p:cNvSpPr>
-            <a:spLocks noGrp="1"/>
-          </p:cNvSpPr>
-          <p:nvPr>
-            <p:ph type="body" idx="1"/>
-          </p:nvPr>
-        </p:nvSpPr>
-        <p:spPr/>
-        <p:txBody>
-          <a:bodyPr/>
-          <a:lstStyle/>
-          <a:p>
-            <a:endParaRPr lang="ko-KR" altLang="en-US"/>
-          </a:p>
-        </p:txBody>
-      </p:sp>
-      <p:sp>
-        <p:nvSpPr>
-          <p:cNvPr id="4" name="슬라이드 번호 개체 틀 3">
-            <a:extLst>
-              <a:ext uri="{FF2B5EF4-FFF2-40B4-BE49-F238E27FC236}">
-                <a16:creationId xmlns:a16="http://schemas.microsoft.com/office/drawing/2014/main" id="{79FF7836-1796-4F70-8FF5-11ACEA7C4FA4}"/>
-              </a:ext>
-            </a:extLst>
-          </p:cNvPr>
-          <p:cNvSpPr>
-            <a:spLocks noGrp="1"/>
-          </p:cNvSpPr>
-          <p:nvPr>
-            <p:ph type="sldNum" sz="quarter" idx="12"/>
-          </p:nvPr>
-        </p:nvSpPr>
-        <p:spPr/>
-        <p:txBody>
-          <a:bodyPr/>
-          <a:lstStyle/>
-          <a:p>
-            <a:fld id="{64F0D409-D3F6-4EEC-8C77-1F5E89989FFB}" type="slidenum">
-              <a:rPr lang="ko-KR" altLang="en-US" smtClean="0"/>
-              <a:t>48</a:t>
-            </a:fld>
-            <a:endParaRPr lang="ko-KR" altLang="en-US"/>
-          </a:p>
-        </p:txBody>
-      </p:sp>
-    </p:spTree>
-    <p:extLst>
-      <p:ext uri="{BB962C8B-B14F-4D97-AF65-F5344CB8AC3E}">
-        <p14:creationId xmlns:p14="http://schemas.microsoft.com/office/powerpoint/2010/main" val="2457666673"/>
-      </p:ext>
-    </p:extLst>
-  </p:cSld>
-  <p:clrMapOvr>
-    <a:masterClrMapping/>
-  </p:clrMapOvr>
-</p:sld>
-</file>
-
-<file path=ppt/slides/slide49.xml><?xml version="1.0" encoding="utf-8"?>
-<p:sld xmlns:a="http://schemas.openxmlformats.org/drawingml/2006/main" xmlns:r="http://schemas.openxmlformats.org/officeDocument/2006/relationships" xmlns:p="http://schemas.openxmlformats.org/presentationml/2006/main">
-  <p:cSld>
-    <p:spTree>
-      <p:nvGrpSpPr>
-        <p:cNvPr id="1" name=""/>
-        <p:cNvGrpSpPr/>
-        <p:nvPr/>
-      </p:nvGrpSpPr>
-      <p:grpSpPr>
-        <a:xfrm>
-          <a:off x="0" y="0"/>
-          <a:ext cx="0" cy="0"/>
-          <a:chOff x="0" y="0"/>
-          <a:chExt cx="0" cy="0"/>
-        </a:xfrm>
-      </p:grpSpPr>
-      <p:sp>
-        <p:nvSpPr>
-          <p:cNvPr id="2" name="제목 1">
-            <a:extLst>
-              <a:ext uri="{FF2B5EF4-FFF2-40B4-BE49-F238E27FC236}">
-                <a16:creationId xmlns:a16="http://schemas.microsoft.com/office/drawing/2014/main" id="{A948A170-3A7E-4CD8-A030-4B9F70FD0864}"/>
-              </a:ext>
-            </a:extLst>
-          </p:cNvPr>
-          <p:cNvSpPr>
-            <a:spLocks noGrp="1"/>
-          </p:cNvSpPr>
-          <p:nvPr>
-            <p:ph type="title"/>
-          </p:nvPr>
-        </p:nvSpPr>
-        <p:spPr/>
-        <p:txBody>
-          <a:bodyPr/>
-          <a:lstStyle/>
-          <a:p>
-            <a:r>
-              <a:rPr lang="en-US" altLang="ko-KR" dirty="0"/>
-              <a:t>Upload to GitHub </a:t>
-            </a:r>
-            <a:endParaRPr lang="ko-KR" altLang="en-US" dirty="0"/>
-          </a:p>
-        </p:txBody>
-      </p:sp>
-      <p:sp>
-        <p:nvSpPr>
-          <p:cNvPr id="3" name="내용 개체 틀 2">
-            <a:extLst>
-              <a:ext uri="{FF2B5EF4-FFF2-40B4-BE49-F238E27FC236}">
-                <a16:creationId xmlns:a16="http://schemas.microsoft.com/office/drawing/2014/main" id="{AD8F1F41-8B4F-41BD-B9CA-3EB299F7BFEA}"/>
-              </a:ext>
-            </a:extLst>
-          </p:cNvPr>
-          <p:cNvSpPr>
-            <a:spLocks noGrp="1"/>
-          </p:cNvSpPr>
-          <p:nvPr>
-            <p:ph idx="1"/>
-          </p:nvPr>
-        </p:nvSpPr>
-        <p:spPr/>
-        <p:txBody>
-          <a:bodyPr/>
-          <a:lstStyle/>
-          <a:p>
-            <a:r>
-              <a:rPr lang="ko-KR" altLang="en-US" sz="2000" dirty="0"/>
-              <a:t>현재 진행된 소스 코드들을 올리고</a:t>
-            </a:r>
-            <a:r>
-              <a:rPr lang="en-US" altLang="ko-KR" sz="2000" dirty="0"/>
-              <a:t>,</a:t>
-            </a:r>
-          </a:p>
-          <a:p>
-            <a:r>
-              <a:rPr lang="ko-KR" altLang="en-US" sz="2000" dirty="0"/>
-              <a:t>설정된 </a:t>
-            </a:r>
-            <a:r>
-              <a:rPr lang="en-US" altLang="ko-KR" sz="2000" dirty="0"/>
-              <a:t>Hook </a:t>
-            </a:r>
-            <a:r>
-              <a:rPr lang="ko-KR" altLang="en-US" sz="2000" dirty="0"/>
-              <a:t>등 개발에 필요한 정보들을 포함하여 문서를 작성하고</a:t>
-            </a:r>
-            <a:r>
-              <a:rPr lang="en-US" altLang="ko-KR" sz="2000" dirty="0"/>
-              <a:t>,</a:t>
-            </a:r>
-          </a:p>
-          <a:p>
-            <a:r>
-              <a:rPr lang="ko-KR" altLang="en-US" sz="2000" dirty="0"/>
-              <a:t>프로젝트를 오픈</a:t>
-            </a:r>
-            <a:r>
-              <a:rPr lang="en-US" altLang="ko-KR" sz="2000" dirty="0"/>
-              <a:t>!</a:t>
-            </a:r>
-            <a:r>
-              <a:rPr lang="ko-KR" altLang="en-US" sz="2000" dirty="0"/>
-              <a:t> </a:t>
-            </a:r>
-            <a:r>
-              <a:rPr lang="en-US" altLang="ko-KR" sz="2000" dirty="0"/>
-              <a:t>(</a:t>
-            </a:r>
-            <a:r>
-              <a:rPr lang="ko-KR" altLang="en-US" sz="2000" dirty="0"/>
-              <a:t>광고하러 가자</a:t>
-            </a:r>
-            <a:r>
-              <a:rPr lang="en-US" altLang="ko-KR" sz="2000" dirty="0"/>
-              <a:t>)</a:t>
-            </a:r>
-          </a:p>
-          <a:p>
-            <a:endParaRPr lang="en-US" altLang="ko-KR" sz="2000" dirty="0"/>
-          </a:p>
-          <a:p>
-            <a:r>
-              <a:rPr lang="en-US" altLang="ko-KR" sz="2000" dirty="0"/>
-              <a:t>(+) </a:t>
-            </a:r>
-            <a:r>
-              <a:rPr lang="ko-KR" altLang="en-US" sz="2000" dirty="0" err="1"/>
-              <a:t>슬랙을</a:t>
-            </a:r>
-            <a:r>
-              <a:rPr lang="ko-KR" altLang="en-US" sz="2000" dirty="0"/>
-              <a:t> 통해 </a:t>
-            </a:r>
-            <a:r>
-              <a:rPr lang="en-US" altLang="ko-KR" sz="2000" dirty="0"/>
-              <a:t>issue, pull request </a:t>
-            </a:r>
-            <a:r>
-              <a:rPr lang="ko-KR" altLang="en-US" sz="2000" dirty="0"/>
-              <a:t>등 알람을 받을 수 있게 설정</a:t>
-            </a:r>
-            <a:endParaRPr lang="en-US" altLang="ko-KR" sz="2000" dirty="0"/>
-          </a:p>
-          <a:p>
-            <a:pPr lvl="1"/>
-            <a:r>
-              <a:rPr lang="en-US" altLang="ko-KR" sz="1800" dirty="0"/>
-              <a:t>Slack workspace -&gt; Add apps</a:t>
-            </a:r>
-          </a:p>
-          <a:p>
-            <a:pPr lvl="1"/>
-            <a:r>
-              <a:rPr lang="en-US" altLang="ko-KR" sz="1800" dirty="0"/>
-              <a:t>GitHub </a:t>
-            </a:r>
-            <a:r>
-              <a:rPr lang="ko-KR" altLang="en-US" sz="1800" dirty="0"/>
-              <a:t>검색 후 </a:t>
-            </a:r>
-            <a:r>
-              <a:rPr lang="en-US" altLang="ko-KR" sz="1800" dirty="0"/>
-              <a:t>install</a:t>
-            </a:r>
-          </a:p>
-          <a:p>
-            <a:pPr lvl="1"/>
-            <a:r>
-              <a:rPr lang="en-US" altLang="ko-KR" sz="1800" dirty="0"/>
-              <a:t>All public channels </a:t>
-            </a:r>
-            <a:r>
-              <a:rPr lang="ko-KR" altLang="en-US" sz="1800" dirty="0"/>
-              <a:t>에 메시지를 보낼 수 있는 권한 부여</a:t>
-            </a:r>
-            <a:endParaRPr lang="en-US" altLang="ko-KR" sz="1800" dirty="0"/>
-          </a:p>
-          <a:p>
-            <a:pPr lvl="1"/>
-            <a:r>
-              <a:rPr lang="ko-KR" altLang="en-US" sz="1800" dirty="0"/>
-              <a:t>설치 후</a:t>
-            </a:r>
-            <a:r>
-              <a:rPr lang="en-US" altLang="ko-KR" sz="1800" dirty="0"/>
-              <a:t>, GitHub</a:t>
-            </a:r>
-            <a:r>
-              <a:rPr lang="ko-KR" altLang="en-US" sz="1800" dirty="0"/>
-              <a:t> 대화창에 </a:t>
-            </a:r>
-            <a:r>
-              <a:rPr lang="en-US" altLang="ko-KR" sz="1800" dirty="0"/>
-              <a:t>/</a:t>
-            </a:r>
-            <a:r>
-              <a:rPr lang="en-US" altLang="ko-KR" sz="1800" dirty="0" err="1"/>
-              <a:t>github</a:t>
-            </a:r>
-            <a:r>
-              <a:rPr lang="en-US" altLang="ko-KR" sz="1800" dirty="0"/>
-              <a:t> </a:t>
-            </a:r>
-            <a:r>
-              <a:rPr lang="en-US" altLang="ko-KR" sz="1800" dirty="0" err="1"/>
-              <a:t>signin</a:t>
-            </a:r>
-            <a:r>
-              <a:rPr lang="en-US" altLang="ko-KR" sz="1800" dirty="0"/>
-              <a:t> </a:t>
-            </a:r>
-            <a:r>
-              <a:rPr lang="ko-KR" altLang="en-US" sz="1800" dirty="0"/>
-              <a:t>입력하여 </a:t>
-            </a:r>
-            <a:r>
-              <a:rPr lang="en-US" altLang="ko-KR" sz="1800" dirty="0"/>
-              <a:t>GitHub </a:t>
-            </a:r>
-            <a:r>
-              <a:rPr lang="ko-KR" altLang="en-US" sz="1800" dirty="0"/>
-              <a:t>계정 연동</a:t>
-            </a:r>
-            <a:endParaRPr lang="en-US" altLang="ko-KR" sz="1800" dirty="0"/>
-          </a:p>
-          <a:p>
-            <a:pPr lvl="1"/>
-            <a:r>
-              <a:rPr lang="ko-KR" altLang="en-US" sz="1800" dirty="0"/>
-              <a:t>아래와 같이 특정 </a:t>
-            </a:r>
-            <a:r>
-              <a:rPr lang="ko-KR" altLang="en-US" sz="1800" dirty="0" err="1"/>
-              <a:t>리포지토리에</a:t>
-            </a:r>
-            <a:r>
-              <a:rPr lang="ko-KR" altLang="en-US" sz="1800" dirty="0"/>
-              <a:t> 대한 정보를 수신하도록 설정</a:t>
-            </a:r>
-            <a:endParaRPr lang="en-US" altLang="ko-KR" sz="1800" dirty="0"/>
-          </a:p>
-          <a:p>
-            <a:pPr lvl="2"/>
-            <a:r>
-              <a:rPr lang="en-US" altLang="ko-KR" sz="1600" dirty="0"/>
-              <a:t>/</a:t>
-            </a:r>
-            <a:r>
-              <a:rPr lang="en-US" altLang="ko-KR" sz="1600" dirty="0" err="1"/>
-              <a:t>github</a:t>
-            </a:r>
-            <a:r>
-              <a:rPr lang="en-US" altLang="ko-KR" sz="1600" dirty="0"/>
-              <a:t> subscribe </a:t>
-            </a:r>
-            <a:r>
-              <a:rPr lang="en-US" altLang="ko-KR" sz="1600" dirty="0" err="1"/>
-              <a:t>hyunchan</a:t>
-            </a:r>
-            <a:r>
-              <a:rPr lang="en-US" altLang="ko-KR" sz="1600" dirty="0"/>
-              <a:t>-park/chatbot </a:t>
-            </a:r>
-          </a:p>
-          <a:p>
-            <a:pPr lvl="2"/>
-            <a:r>
-              <a:rPr lang="ko-KR" altLang="en-US" sz="1600" dirty="0"/>
-              <a:t>해당 </a:t>
-            </a:r>
-            <a:r>
-              <a:rPr lang="en-US" altLang="ko-KR" sz="1600" dirty="0"/>
-              <a:t>repo </a:t>
-            </a:r>
-            <a:r>
-              <a:rPr lang="ko-KR" altLang="en-US" sz="1600" dirty="0"/>
-              <a:t>로 이동하여 </a:t>
-            </a:r>
-            <a:r>
-              <a:rPr lang="en-US" altLang="ko-KR" sz="1600" dirty="0"/>
-              <a:t>GitHub</a:t>
-            </a:r>
-            <a:r>
-              <a:rPr lang="ko-KR" altLang="en-US" sz="1600" dirty="0"/>
-              <a:t>에도 </a:t>
-            </a:r>
-            <a:r>
-              <a:rPr lang="en-US" altLang="ko-KR" sz="1600" dirty="0"/>
-              <a:t>slack app </a:t>
-            </a:r>
-            <a:r>
-              <a:rPr lang="ko-KR" altLang="en-US" sz="1600" dirty="0"/>
-              <a:t>이 설치 및 설정되도록 수행</a:t>
-            </a:r>
-            <a:endParaRPr lang="en-US" altLang="ko-KR" sz="1600" dirty="0"/>
-          </a:p>
-          <a:p>
-            <a:pPr lvl="1"/>
-            <a:endParaRPr lang="en-US" altLang="ko-KR" sz="1800" dirty="0"/>
-          </a:p>
-          <a:p>
-            <a:pPr lvl="1"/>
-            <a:endParaRPr lang="en-US" altLang="ko-KR" sz="1800" dirty="0"/>
-          </a:p>
-        </p:txBody>
-      </p:sp>
-      <p:sp>
-        <p:nvSpPr>
-          <p:cNvPr id="4" name="슬라이드 번호 개체 틀 3">
-            <a:extLst>
-              <a:ext uri="{FF2B5EF4-FFF2-40B4-BE49-F238E27FC236}">
-                <a16:creationId xmlns:a16="http://schemas.microsoft.com/office/drawing/2014/main" id="{E45507B3-2E03-498D-8041-0AB7910C4197}"/>
-              </a:ext>
-            </a:extLst>
-          </p:cNvPr>
-          <p:cNvSpPr>
-            <a:spLocks noGrp="1"/>
-          </p:cNvSpPr>
-          <p:nvPr>
-            <p:ph type="sldNum" sz="quarter" idx="12"/>
-          </p:nvPr>
-        </p:nvSpPr>
-        <p:spPr/>
-        <p:txBody>
-          <a:bodyPr/>
-          <a:lstStyle/>
-          <a:p>
-            <a:fld id="{64F0D409-D3F6-4EEC-8C77-1F5E89989FFB}" type="slidenum">
-              <a:rPr lang="ko-KR" altLang="en-US" smtClean="0"/>
-              <a:t>49</a:t>
-            </a:fld>
-            <a:endParaRPr lang="ko-KR" altLang="en-US"/>
-          </a:p>
-        </p:txBody>
-      </p:sp>
-    </p:spTree>
-    <p:extLst>
-      <p:ext uri="{BB962C8B-B14F-4D97-AF65-F5344CB8AC3E}">
-        <p14:creationId xmlns:p14="http://schemas.microsoft.com/office/powerpoint/2010/main" val="3292004990"/>
-      </p:ext>
-    </p:extLst>
-  </p:cSld>
-  <p:clrMapOvr>
-    <a:masterClrMapping/>
-  </p:clrMapOvr>
-</p:sld>
-</file>
-
 <file path=ppt/slides/slide5.xml><?xml version="1.0" encoding="utf-8"?>
 <p:sld xmlns:a="http://schemas.openxmlformats.org/drawingml/2006/main" xmlns:r="http://schemas.openxmlformats.org/officeDocument/2006/relationships" xmlns:p="http://schemas.openxmlformats.org/presentationml/2006/main">
   <p:cSld>
@@ -14349,10 +14601,10 @@
       </p:grpSpPr>
       <p:sp>
         <p:nvSpPr>
-          <p:cNvPr id="2" name="제목 1">
-            <a:extLst>
-              <a:ext uri="{FF2B5EF4-FFF2-40B4-BE49-F238E27FC236}">
-                <a16:creationId xmlns:a16="http://schemas.microsoft.com/office/drawing/2014/main" id="{80345ECA-ABE1-4C1F-A56D-BE6248BC8CCA}"/>
+          <p:cNvPr id="7" name="제목 6">
+            <a:extLst>
+              <a:ext uri="{FF2B5EF4-FFF2-40B4-BE49-F238E27FC236}">
+                <a16:creationId xmlns:a16="http://schemas.microsoft.com/office/drawing/2014/main" id="{FC2B03E9-11CE-41A0-95B7-B6EE58183D1F}"/>
               </a:ext>
             </a:extLst>
           </p:cNvPr>
@@ -14370,53 +14622,43 @@
           <a:p>
             <a:r>
               <a:rPr lang="en-US" altLang="ko-KR" dirty="0"/>
-              <a:t>GitHub </a:t>
-            </a:r>
-            <a:r>
-              <a:rPr lang="ko-KR" altLang="en-US" dirty="0"/>
-              <a:t>설치 및 계정 연동 버튼</a:t>
-            </a:r>
-          </a:p>
-        </p:txBody>
-      </p:sp>
-      <p:pic>
-        <p:nvPicPr>
-          <p:cNvPr id="5" name="내용 개체 틀 4">
-            <a:extLst>
-              <a:ext uri="{FF2B5EF4-FFF2-40B4-BE49-F238E27FC236}">
-                <a16:creationId xmlns:a16="http://schemas.microsoft.com/office/drawing/2014/main" id="{D6CE5600-7AE9-4932-85E4-EEAD03D513C3}"/>
-              </a:ext>
-            </a:extLst>
-          </p:cNvPr>
-          <p:cNvPicPr>
-            <a:picLocks noGrp="1" noChangeAspect="1"/>
-          </p:cNvPicPr>
-          <p:nvPr>
-            <p:ph idx="1"/>
-          </p:nvPr>
-        </p:nvPicPr>
-        <p:blipFill>
-          <a:blip r:embed="rId2"/>
-          <a:stretch>
-            <a:fillRect/>
-          </a:stretch>
-        </p:blipFill>
-        <p:spPr>
-          <a:xfrm>
-            <a:off x="437994" y="1058863"/>
-            <a:ext cx="8268012" cy="5268912"/>
-          </a:xfrm>
-          <a:prstGeom prst="rect">
-            <a:avLst/>
-          </a:prstGeom>
-        </p:spPr>
-      </p:pic>
+              <a:t>Open!</a:t>
+            </a:r>
+            <a:endParaRPr lang="ko-KR" altLang="en-US" dirty="0"/>
+          </a:p>
+        </p:txBody>
+      </p:sp>
+      <p:sp>
+        <p:nvSpPr>
+          <p:cNvPr id="8" name="텍스트 개체 틀 7">
+            <a:extLst>
+              <a:ext uri="{FF2B5EF4-FFF2-40B4-BE49-F238E27FC236}">
+                <a16:creationId xmlns:a16="http://schemas.microsoft.com/office/drawing/2014/main" id="{A3D2C137-875F-43BE-A729-7A0AC5B80C9D}"/>
+              </a:ext>
+            </a:extLst>
+          </p:cNvPr>
+          <p:cNvSpPr>
+            <a:spLocks noGrp="1"/>
+          </p:cNvSpPr>
+          <p:nvPr>
+            <p:ph type="body" idx="1"/>
+          </p:nvPr>
+        </p:nvSpPr>
+        <p:spPr/>
+        <p:txBody>
+          <a:bodyPr/>
+          <a:lstStyle/>
+          <a:p>
+            <a:endParaRPr lang="ko-KR" altLang="en-US"/>
+          </a:p>
+        </p:txBody>
+      </p:sp>
       <p:sp>
         <p:nvSpPr>
           <p:cNvPr id="4" name="슬라이드 번호 개체 틀 3">
             <a:extLst>
               <a:ext uri="{FF2B5EF4-FFF2-40B4-BE49-F238E27FC236}">
-                <a16:creationId xmlns:a16="http://schemas.microsoft.com/office/drawing/2014/main" id="{83FFB60D-4155-461C-A6F2-B5E93B498CA6}"/>
+                <a16:creationId xmlns:a16="http://schemas.microsoft.com/office/drawing/2014/main" id="{79FF7836-1796-4F70-8FF5-11ACEA7C4FA4}"/>
               </a:ext>
             </a:extLst>
           </p:cNvPr>
@@ -14443,7 +14685,7 @@
     </p:spTree>
     <p:extLst>
       <p:ext uri="{BB962C8B-B14F-4D97-AF65-F5344CB8AC3E}">
-        <p14:creationId xmlns:p14="http://schemas.microsoft.com/office/powerpoint/2010/main" val="3808480690"/>
+        <p14:creationId xmlns:p14="http://schemas.microsoft.com/office/powerpoint/2010/main" val="2457666673"/>
       </p:ext>
     </p:extLst>
   </p:cSld>
@@ -14475,7 +14717,7 @@
           <p:cNvPr id="2" name="제목 1">
             <a:extLst>
               <a:ext uri="{FF2B5EF4-FFF2-40B4-BE49-F238E27FC236}">
-                <a16:creationId xmlns:a16="http://schemas.microsoft.com/office/drawing/2014/main" id="{F7AF3CE5-99DE-4E76-8DDA-F7ED1B871D2B}"/>
+                <a16:creationId xmlns:a16="http://schemas.microsoft.com/office/drawing/2014/main" id="{A948A170-3A7E-4CD8-A030-4B9F70FD0864}"/>
               </a:ext>
             </a:extLst>
           </p:cNvPr>
@@ -14493,53 +14735,281 @@
           <a:p>
             <a:r>
               <a:rPr lang="en-US" altLang="ko-KR" dirty="0"/>
+              <a:t>Upload to GitHub </a:t>
+            </a:r>
+            <a:endParaRPr lang="ko-KR" altLang="en-US" dirty="0"/>
+          </a:p>
+        </p:txBody>
+      </p:sp>
+      <p:sp>
+        <p:nvSpPr>
+          <p:cNvPr id="3" name="내용 개체 틀 2">
+            <a:extLst>
+              <a:ext uri="{FF2B5EF4-FFF2-40B4-BE49-F238E27FC236}">
+                <a16:creationId xmlns:a16="http://schemas.microsoft.com/office/drawing/2014/main" id="{AD8F1F41-8B4F-41BD-B9CA-3EB299F7BFEA}"/>
+              </a:ext>
+            </a:extLst>
+          </p:cNvPr>
+          <p:cNvSpPr>
+            <a:spLocks noGrp="1"/>
+          </p:cNvSpPr>
+          <p:nvPr>
+            <p:ph idx="1"/>
+          </p:nvPr>
+        </p:nvSpPr>
+        <p:spPr/>
+        <p:txBody>
+          <a:bodyPr/>
+          <a:lstStyle/>
+          <a:p>
+            <a:r>
+              <a:rPr lang="ko-KR" altLang="en-US" sz="2000" dirty="0"/>
+              <a:t>현재 진행된 소스 코드들을 올리고</a:t>
+            </a:r>
+            <a:r>
+              <a:rPr lang="en-US" altLang="ko-KR" sz="2000" dirty="0"/>
+              <a:t>,</a:t>
+            </a:r>
+          </a:p>
+          <a:p>
+            <a:r>
+              <a:rPr lang="ko-KR" altLang="en-US" sz="2000" dirty="0"/>
+              <a:t>설정된 </a:t>
+            </a:r>
+            <a:r>
+              <a:rPr lang="en-US" altLang="ko-KR" sz="2000" dirty="0"/>
+              <a:t>Hook </a:t>
+            </a:r>
+            <a:r>
+              <a:rPr lang="ko-KR" altLang="en-US" sz="2000" dirty="0"/>
+              <a:t>등 개발에 필요한 정보들을 포함하여 문서를 작성하고</a:t>
+            </a:r>
+            <a:r>
+              <a:rPr lang="en-US" altLang="ko-KR" sz="2000" dirty="0"/>
+              <a:t>,</a:t>
+            </a:r>
+          </a:p>
+          <a:p>
+            <a:r>
+              <a:rPr lang="ko-KR" altLang="en-US" sz="2000" dirty="0"/>
+              <a:t>프로젝트를 오픈</a:t>
+            </a:r>
+            <a:r>
+              <a:rPr lang="en-US" altLang="ko-KR" sz="2000" dirty="0"/>
+              <a:t>!</a:t>
+            </a:r>
+            <a:r>
+              <a:rPr lang="ko-KR" altLang="en-US" sz="2000" dirty="0"/>
+              <a:t> </a:t>
+            </a:r>
+            <a:r>
+              <a:rPr lang="en-US" altLang="ko-KR" sz="2000" dirty="0"/>
+              <a:t>(</a:t>
+            </a:r>
+            <a:r>
+              <a:rPr lang="ko-KR" altLang="en-US" sz="2000" dirty="0"/>
+              <a:t>광고하러 가자</a:t>
+            </a:r>
+            <a:r>
+              <a:rPr lang="en-US" altLang="ko-KR" sz="2000" dirty="0"/>
+              <a:t>)</a:t>
+            </a:r>
+          </a:p>
+          <a:p>
+            <a:endParaRPr lang="en-US" altLang="ko-KR" sz="2000" dirty="0"/>
+          </a:p>
+          <a:p>
+            <a:r>
+              <a:rPr lang="en-US" altLang="ko-KR" sz="2000" dirty="0"/>
+              <a:t>(+) </a:t>
+            </a:r>
+            <a:r>
+              <a:rPr lang="ko-KR" altLang="en-US" sz="2000" dirty="0" err="1"/>
+              <a:t>슬랙을</a:t>
+            </a:r>
+            <a:r>
+              <a:rPr lang="ko-KR" altLang="en-US" sz="2000" dirty="0"/>
+              <a:t> 통해 </a:t>
+            </a:r>
+            <a:r>
+              <a:rPr lang="en-US" altLang="ko-KR" sz="2000" dirty="0"/>
+              <a:t>issue, pull request </a:t>
+            </a:r>
+            <a:r>
+              <a:rPr lang="ko-KR" altLang="en-US" sz="2000" dirty="0"/>
+              <a:t>등 알람을 받을 수 있게 설정</a:t>
+            </a:r>
+            <a:endParaRPr lang="en-US" altLang="ko-KR" sz="2000" dirty="0"/>
+          </a:p>
+          <a:p>
+            <a:pPr lvl="1"/>
+            <a:r>
+              <a:rPr lang="en-US" altLang="ko-KR" sz="1800" dirty="0"/>
+              <a:t>Slack workspace -&gt; Add apps</a:t>
+            </a:r>
+          </a:p>
+          <a:p>
+            <a:pPr lvl="1"/>
+            <a:r>
+              <a:rPr lang="en-US" altLang="ko-KR" sz="1800" dirty="0"/>
+              <a:t>GitHub </a:t>
+            </a:r>
+            <a:r>
+              <a:rPr lang="ko-KR" altLang="en-US" sz="1800" dirty="0"/>
+              <a:t>검색 후 </a:t>
+            </a:r>
+            <a:r>
+              <a:rPr lang="en-US" altLang="ko-KR" sz="1800" dirty="0"/>
+              <a:t>install</a:t>
+            </a:r>
+          </a:p>
+          <a:p>
+            <a:pPr lvl="1"/>
+            <a:r>
+              <a:rPr lang="en-US" altLang="ko-KR" sz="1800" dirty="0"/>
+              <a:t>All public channels </a:t>
+            </a:r>
+            <a:r>
+              <a:rPr lang="ko-KR" altLang="en-US" sz="1800" dirty="0"/>
+              <a:t>에 메시지를 보낼 수 있는 권한 부여</a:t>
+            </a:r>
+            <a:endParaRPr lang="en-US" altLang="ko-KR" sz="1800" dirty="0"/>
+          </a:p>
+          <a:p>
+            <a:pPr lvl="1"/>
+            <a:r>
+              <a:rPr lang="ko-KR" altLang="en-US" sz="1800" dirty="0"/>
+              <a:t>설치 후</a:t>
+            </a:r>
+            <a:r>
+              <a:rPr lang="en-US" altLang="ko-KR" sz="1800" dirty="0"/>
+              <a:t>, GitHub</a:t>
+            </a:r>
+            <a:r>
+              <a:rPr lang="ko-KR" altLang="en-US" sz="1800" dirty="0"/>
+              <a:t> 대화창에 </a:t>
+            </a:r>
+            <a:r>
+              <a:rPr lang="en-US" altLang="ko-KR" sz="1800" dirty="0"/>
+              <a:t>/</a:t>
+            </a:r>
+            <a:r>
+              <a:rPr lang="en-US" altLang="ko-KR" sz="1800" dirty="0" err="1"/>
+              <a:t>github</a:t>
+            </a:r>
+            <a:r>
+              <a:rPr lang="en-US" altLang="ko-KR" sz="1800" dirty="0"/>
+              <a:t> </a:t>
+            </a:r>
+            <a:r>
+              <a:rPr lang="en-US" altLang="ko-KR" sz="1800" dirty="0" err="1"/>
+              <a:t>signin</a:t>
+            </a:r>
+            <a:r>
+              <a:rPr lang="en-US" altLang="ko-KR" sz="1800" dirty="0"/>
+              <a:t> </a:t>
+            </a:r>
+            <a:r>
+              <a:rPr lang="ko-KR" altLang="en-US" sz="1800" dirty="0"/>
+              <a:t>입력하여 </a:t>
+            </a:r>
+            <a:r>
+              <a:rPr lang="en-US" altLang="ko-KR" sz="1800" dirty="0"/>
+              <a:t>GitHub </a:t>
+            </a:r>
+            <a:r>
+              <a:rPr lang="ko-KR" altLang="en-US" sz="1800" dirty="0"/>
+              <a:t>계정 연동</a:t>
+            </a:r>
+            <a:endParaRPr lang="en-US" altLang="ko-KR" sz="1800" dirty="0"/>
+          </a:p>
+          <a:p>
+            <a:pPr lvl="1"/>
+            <a:r>
+              <a:rPr lang="ko-KR" altLang="en-US" sz="1800" dirty="0"/>
+              <a:t>아래와 같이 특정 </a:t>
+            </a:r>
+            <a:r>
+              <a:rPr lang="ko-KR" altLang="en-US" sz="1800" dirty="0" err="1"/>
+              <a:t>리포지토리에</a:t>
+            </a:r>
+            <a:r>
+              <a:rPr lang="ko-KR" altLang="en-US" sz="1800" dirty="0"/>
+              <a:t> 대한 정보를 수신하도록 설정</a:t>
+            </a:r>
+            <a:endParaRPr lang="en-US" altLang="ko-KR" sz="1800" dirty="0"/>
+          </a:p>
+          <a:p>
+            <a:pPr lvl="2"/>
+            <a:r>
+              <a:rPr lang="en-US" altLang="ko-KR" sz="1600" dirty="0"/>
+              <a:t>/</a:t>
+            </a:r>
+            <a:r>
+              <a:rPr lang="en-US" altLang="ko-KR" sz="1600" dirty="0" err="1"/>
+              <a:t>github</a:t>
+            </a:r>
+            <a:r>
+              <a:rPr lang="en-US" altLang="ko-KR" sz="1600" dirty="0"/>
+              <a:t> subscribe </a:t>
+            </a:r>
+            <a:r>
+              <a:rPr lang="en-US" altLang="ko-KR" sz="1600" dirty="0" err="1"/>
+              <a:t>hyunchan</a:t>
+            </a:r>
+            <a:r>
+              <a:rPr lang="en-US" altLang="ko-KR" sz="1600" dirty="0"/>
+              <a:t>-park/chatbot </a:t>
+            </a:r>
+          </a:p>
+          <a:p>
+            <a:pPr lvl="2"/>
+            <a:r>
+              <a:rPr lang="ko-KR" altLang="en-US" sz="1600" dirty="0"/>
+              <a:t>해당 </a:t>
+            </a:r>
+            <a:r>
+              <a:rPr lang="en-US" altLang="ko-KR" sz="1600" dirty="0"/>
+              <a:t>repo </a:t>
+            </a:r>
+            <a:r>
+              <a:rPr lang="ko-KR" altLang="en-US" sz="1600" dirty="0"/>
+              <a:t>로 이동하여 </a:t>
+            </a:r>
+            <a:r>
+              <a:rPr lang="en-US" altLang="ko-KR" sz="1600" dirty="0"/>
               <a:t>GitHub</a:t>
             </a:r>
             <a:r>
-              <a:rPr lang="ko-KR" altLang="en-US" dirty="0"/>
-              <a:t> 에서 접근 권한 부여</a:t>
-            </a:r>
-          </a:p>
-        </p:txBody>
-      </p:sp>
-      <p:pic>
-        <p:nvPicPr>
-          <p:cNvPr id="5" name="내용 개체 틀 4">
-            <a:extLst>
-              <a:ext uri="{FF2B5EF4-FFF2-40B4-BE49-F238E27FC236}">
-                <a16:creationId xmlns:a16="http://schemas.microsoft.com/office/drawing/2014/main" id="{B9796A0F-623A-4DA8-9177-CFB901AFA6E4}"/>
-              </a:ext>
-            </a:extLst>
-          </p:cNvPr>
-          <p:cNvPicPr>
-            <a:picLocks noGrp="1" noChangeAspect="1"/>
-          </p:cNvPicPr>
-          <p:nvPr>
-            <p:ph idx="1"/>
-          </p:nvPr>
-        </p:nvPicPr>
-        <p:blipFill>
-          <a:blip r:embed="rId2"/>
-          <a:stretch>
-            <a:fillRect/>
-          </a:stretch>
-        </p:blipFill>
-        <p:spPr>
-          <a:xfrm>
-            <a:off x="2507499" y="1058863"/>
-            <a:ext cx="4129003" cy="5268912"/>
-          </a:xfrm>
-          <a:prstGeom prst="rect">
-            <a:avLst/>
-          </a:prstGeom>
-        </p:spPr>
-      </p:pic>
+              <a:rPr lang="ko-KR" altLang="en-US" sz="1600" dirty="0"/>
+              <a:t>에도 </a:t>
+            </a:r>
+            <a:r>
+              <a:rPr lang="en-US" altLang="ko-KR" sz="1600" dirty="0"/>
+              <a:t>slack app </a:t>
+            </a:r>
+            <a:r>
+              <a:rPr lang="ko-KR" altLang="en-US" sz="1600" dirty="0"/>
+              <a:t>이 설치 및 설정되도록 수행</a:t>
+            </a:r>
+            <a:endParaRPr lang="en-US" altLang="ko-KR" sz="1600" dirty="0"/>
+          </a:p>
+          <a:p>
+            <a:pPr lvl="1"/>
+            <a:endParaRPr lang="en-US" altLang="ko-KR" sz="1800" dirty="0"/>
+          </a:p>
+          <a:p>
+            <a:pPr lvl="1"/>
+            <a:endParaRPr lang="en-US" altLang="ko-KR" sz="1800" dirty="0"/>
+          </a:p>
+        </p:txBody>
+      </p:sp>
       <p:sp>
         <p:nvSpPr>
           <p:cNvPr id="4" name="슬라이드 번호 개체 틀 3">
             <a:extLst>
               <a:ext uri="{FF2B5EF4-FFF2-40B4-BE49-F238E27FC236}">
-                <a16:creationId xmlns:a16="http://schemas.microsoft.com/office/drawing/2014/main" id="{0CD53615-D054-4EAC-A266-7586BA7EF5E6}"/>
+                <a16:creationId xmlns:a16="http://schemas.microsoft.com/office/drawing/2014/main" id="{E45507B3-2E03-498D-8041-0AB7910C4197}"/>
               </a:ext>
             </a:extLst>
           </p:cNvPr>
@@ -14566,7 +15036,7 @@
     </p:spTree>
     <p:extLst>
       <p:ext uri="{BB962C8B-B14F-4D97-AF65-F5344CB8AC3E}">
-        <p14:creationId xmlns:p14="http://schemas.microsoft.com/office/powerpoint/2010/main" val="3004414335"/>
+        <p14:creationId xmlns:p14="http://schemas.microsoft.com/office/powerpoint/2010/main" val="3292004990"/>
       </p:ext>
     </p:extLst>
   </p:cSld>
@@ -14598,7 +15068,7 @@
           <p:cNvPr id="2" name="제목 1">
             <a:extLst>
               <a:ext uri="{FF2B5EF4-FFF2-40B4-BE49-F238E27FC236}">
-                <a16:creationId xmlns:a16="http://schemas.microsoft.com/office/drawing/2014/main" id="{2358E698-782C-4D01-8A08-3A61897CEB09}"/>
+                <a16:creationId xmlns:a16="http://schemas.microsoft.com/office/drawing/2014/main" id="{80345ECA-ABE1-4C1F-A56D-BE6248BC8CCA}"/>
               </a:ext>
             </a:extLst>
           </p:cNvPr>
@@ -14616,11 +15086,11 @@
           <a:p>
             <a:r>
               <a:rPr lang="en-US" altLang="ko-KR" dirty="0"/>
-              <a:t>Repo </a:t>
+              <a:t>GitHub </a:t>
             </a:r>
             <a:r>
               <a:rPr lang="ko-KR" altLang="en-US" dirty="0"/>
-              <a:t>설정 화면</a:t>
+              <a:t>설치 및 계정 연동 버튼</a:t>
             </a:r>
           </a:p>
         </p:txBody>
@@ -14630,7 +15100,7 @@
           <p:cNvPr id="5" name="내용 개체 틀 4">
             <a:extLst>
               <a:ext uri="{FF2B5EF4-FFF2-40B4-BE49-F238E27FC236}">
-                <a16:creationId xmlns:a16="http://schemas.microsoft.com/office/drawing/2014/main" id="{250C1C13-1DA9-4468-8F9D-C08D7B8B468E}"/>
+                <a16:creationId xmlns:a16="http://schemas.microsoft.com/office/drawing/2014/main" id="{D6CE5600-7AE9-4932-85E4-EEAD03D513C3}"/>
               </a:ext>
             </a:extLst>
           </p:cNvPr>
@@ -14649,8 +15119,8 @@
         </p:blipFill>
         <p:spPr>
           <a:xfrm>
-            <a:off x="158181" y="1581151"/>
-            <a:ext cx="8827638" cy="4224336"/>
+            <a:off x="437994" y="1058863"/>
+            <a:ext cx="8268012" cy="5268912"/>
           </a:xfrm>
           <a:prstGeom prst="rect">
             <a:avLst/>
@@ -14662,7 +15132,7 @@
           <p:cNvPr id="4" name="슬라이드 번호 개체 틀 3">
             <a:extLst>
               <a:ext uri="{FF2B5EF4-FFF2-40B4-BE49-F238E27FC236}">
-                <a16:creationId xmlns:a16="http://schemas.microsoft.com/office/drawing/2014/main" id="{EAF6108F-BC49-441E-B27A-2A1DD73511AF}"/>
+                <a16:creationId xmlns:a16="http://schemas.microsoft.com/office/drawing/2014/main" id="{83FFB60D-4155-461C-A6F2-B5E93B498CA6}"/>
               </a:ext>
             </a:extLst>
           </p:cNvPr>
@@ -14689,7 +15159,7 @@
     </p:spTree>
     <p:extLst>
       <p:ext uri="{BB962C8B-B14F-4D97-AF65-F5344CB8AC3E}">
-        <p14:creationId xmlns:p14="http://schemas.microsoft.com/office/powerpoint/2010/main" val="3914459423"/>
+        <p14:creationId xmlns:p14="http://schemas.microsoft.com/office/powerpoint/2010/main" val="3808480690"/>
       </p:ext>
     </p:extLst>
   </p:cSld>
@@ -14721,7 +15191,7 @@
           <p:cNvPr id="2" name="제목 1">
             <a:extLst>
               <a:ext uri="{FF2B5EF4-FFF2-40B4-BE49-F238E27FC236}">
-                <a16:creationId xmlns:a16="http://schemas.microsoft.com/office/drawing/2014/main" id="{B1EE2A70-B717-47D7-9328-9D0BC99DFF6B}"/>
+                <a16:creationId xmlns:a16="http://schemas.microsoft.com/office/drawing/2014/main" id="{F7AF3CE5-99DE-4E76-8DDA-F7ED1B871D2B}"/>
               </a:ext>
             </a:extLst>
           </p:cNvPr>
@@ -14743,25 +15213,49 @@
             </a:r>
             <a:r>
               <a:rPr lang="ko-KR" altLang="en-US" dirty="0"/>
-              <a:t>에서 </a:t>
-            </a:r>
-            <a:r>
-              <a:rPr lang="en-US" altLang="ko-KR" dirty="0"/>
-              <a:t>Slack </a:t>
-            </a:r>
-            <a:r>
-              <a:rPr lang="ko-KR" altLang="en-US" dirty="0"/>
-              <a:t>설정 및 완료</a:t>
-            </a:r>
-          </a:p>
-        </p:txBody>
-      </p:sp>
+              <a:t> 에서 접근 권한 부여</a:t>
+            </a:r>
+          </a:p>
+        </p:txBody>
+      </p:sp>
+      <p:pic>
+        <p:nvPicPr>
+          <p:cNvPr id="5" name="내용 개체 틀 4">
+            <a:extLst>
+              <a:ext uri="{FF2B5EF4-FFF2-40B4-BE49-F238E27FC236}">
+                <a16:creationId xmlns:a16="http://schemas.microsoft.com/office/drawing/2014/main" id="{B9796A0F-623A-4DA8-9177-CFB901AFA6E4}"/>
+              </a:ext>
+            </a:extLst>
+          </p:cNvPr>
+          <p:cNvPicPr>
+            <a:picLocks noGrp="1" noChangeAspect="1"/>
+          </p:cNvPicPr>
+          <p:nvPr>
+            <p:ph idx="1"/>
+          </p:nvPr>
+        </p:nvPicPr>
+        <p:blipFill>
+          <a:blip r:embed="rId2"/>
+          <a:stretch>
+            <a:fillRect/>
+          </a:stretch>
+        </p:blipFill>
+        <p:spPr>
+          <a:xfrm>
+            <a:off x="2507499" y="1058863"/>
+            <a:ext cx="4129003" cy="5268912"/>
+          </a:xfrm>
+          <a:prstGeom prst="rect">
+            <a:avLst/>
+          </a:prstGeom>
+        </p:spPr>
+      </p:pic>
       <p:sp>
         <p:nvSpPr>
           <p:cNvPr id="4" name="슬라이드 번호 개체 틀 3">
             <a:extLst>
               <a:ext uri="{FF2B5EF4-FFF2-40B4-BE49-F238E27FC236}">
-                <a16:creationId xmlns:a16="http://schemas.microsoft.com/office/drawing/2014/main" id="{8BE2387A-4599-4EA6-A3D0-8695BE420AF8}"/>
+                <a16:creationId xmlns:a16="http://schemas.microsoft.com/office/drawing/2014/main" id="{0CD53615-D054-4EAC-A266-7586BA7EF5E6}"/>
               </a:ext>
             </a:extLst>
           </p:cNvPr>
@@ -14780,6 +15274,228 @@
             <a:fld id="{64F0D409-D3F6-4EEC-8C77-1F5E89989FFB}" type="slidenum">
               <a:rPr lang="ko-KR" altLang="en-US" smtClean="0"/>
               <a:t>53</a:t>
+            </a:fld>
+            <a:endParaRPr lang="ko-KR" altLang="en-US"/>
+          </a:p>
+        </p:txBody>
+      </p:sp>
+    </p:spTree>
+    <p:extLst>
+      <p:ext uri="{BB962C8B-B14F-4D97-AF65-F5344CB8AC3E}">
+        <p14:creationId xmlns:p14="http://schemas.microsoft.com/office/powerpoint/2010/main" val="3004414335"/>
+      </p:ext>
+    </p:extLst>
+  </p:cSld>
+  <p:clrMapOvr>
+    <a:masterClrMapping/>
+  </p:clrMapOvr>
+</p:sld>
+</file>
+
+<file path=ppt/slides/slide54.xml><?xml version="1.0" encoding="utf-8"?>
+<p:sld xmlns:a="http://schemas.openxmlformats.org/drawingml/2006/main" xmlns:r="http://schemas.openxmlformats.org/officeDocument/2006/relationships" xmlns:p="http://schemas.openxmlformats.org/presentationml/2006/main">
+  <p:cSld>
+    <p:spTree>
+      <p:nvGrpSpPr>
+        <p:cNvPr id="1" name=""/>
+        <p:cNvGrpSpPr/>
+        <p:nvPr/>
+      </p:nvGrpSpPr>
+      <p:grpSpPr>
+        <a:xfrm>
+          <a:off x="0" y="0"/>
+          <a:ext cx="0" cy="0"/>
+          <a:chOff x="0" y="0"/>
+          <a:chExt cx="0" cy="0"/>
+        </a:xfrm>
+      </p:grpSpPr>
+      <p:sp>
+        <p:nvSpPr>
+          <p:cNvPr id="2" name="제목 1">
+            <a:extLst>
+              <a:ext uri="{FF2B5EF4-FFF2-40B4-BE49-F238E27FC236}">
+                <a16:creationId xmlns:a16="http://schemas.microsoft.com/office/drawing/2014/main" id="{2358E698-782C-4D01-8A08-3A61897CEB09}"/>
+              </a:ext>
+            </a:extLst>
+          </p:cNvPr>
+          <p:cNvSpPr>
+            <a:spLocks noGrp="1"/>
+          </p:cNvSpPr>
+          <p:nvPr>
+            <p:ph type="title"/>
+          </p:nvPr>
+        </p:nvSpPr>
+        <p:spPr/>
+        <p:txBody>
+          <a:bodyPr/>
+          <a:lstStyle/>
+          <a:p>
+            <a:r>
+              <a:rPr lang="en-US" altLang="ko-KR" dirty="0"/>
+              <a:t>Repo </a:t>
+            </a:r>
+            <a:r>
+              <a:rPr lang="ko-KR" altLang="en-US" dirty="0"/>
+              <a:t>설정 화면</a:t>
+            </a:r>
+          </a:p>
+        </p:txBody>
+      </p:sp>
+      <p:pic>
+        <p:nvPicPr>
+          <p:cNvPr id="5" name="내용 개체 틀 4">
+            <a:extLst>
+              <a:ext uri="{FF2B5EF4-FFF2-40B4-BE49-F238E27FC236}">
+                <a16:creationId xmlns:a16="http://schemas.microsoft.com/office/drawing/2014/main" id="{250C1C13-1DA9-4468-8F9D-C08D7B8B468E}"/>
+              </a:ext>
+            </a:extLst>
+          </p:cNvPr>
+          <p:cNvPicPr>
+            <a:picLocks noGrp="1" noChangeAspect="1"/>
+          </p:cNvPicPr>
+          <p:nvPr>
+            <p:ph idx="1"/>
+          </p:nvPr>
+        </p:nvPicPr>
+        <p:blipFill>
+          <a:blip r:embed="rId2"/>
+          <a:stretch>
+            <a:fillRect/>
+          </a:stretch>
+        </p:blipFill>
+        <p:spPr>
+          <a:xfrm>
+            <a:off x="158181" y="1581151"/>
+            <a:ext cx="8827638" cy="4224336"/>
+          </a:xfrm>
+          <a:prstGeom prst="rect">
+            <a:avLst/>
+          </a:prstGeom>
+        </p:spPr>
+      </p:pic>
+      <p:sp>
+        <p:nvSpPr>
+          <p:cNvPr id="4" name="슬라이드 번호 개체 틀 3">
+            <a:extLst>
+              <a:ext uri="{FF2B5EF4-FFF2-40B4-BE49-F238E27FC236}">
+                <a16:creationId xmlns:a16="http://schemas.microsoft.com/office/drawing/2014/main" id="{EAF6108F-BC49-441E-B27A-2A1DD73511AF}"/>
+              </a:ext>
+            </a:extLst>
+          </p:cNvPr>
+          <p:cNvSpPr>
+            <a:spLocks noGrp="1"/>
+          </p:cNvSpPr>
+          <p:nvPr>
+            <p:ph type="sldNum" sz="quarter" idx="12"/>
+          </p:nvPr>
+        </p:nvSpPr>
+        <p:spPr/>
+        <p:txBody>
+          <a:bodyPr/>
+          <a:lstStyle/>
+          <a:p>
+            <a:fld id="{64F0D409-D3F6-4EEC-8C77-1F5E89989FFB}" type="slidenum">
+              <a:rPr lang="ko-KR" altLang="en-US" smtClean="0"/>
+              <a:t>54</a:t>
+            </a:fld>
+            <a:endParaRPr lang="ko-KR" altLang="en-US"/>
+          </a:p>
+        </p:txBody>
+      </p:sp>
+    </p:spTree>
+    <p:extLst>
+      <p:ext uri="{BB962C8B-B14F-4D97-AF65-F5344CB8AC3E}">
+        <p14:creationId xmlns:p14="http://schemas.microsoft.com/office/powerpoint/2010/main" val="3914459423"/>
+      </p:ext>
+    </p:extLst>
+  </p:cSld>
+  <p:clrMapOvr>
+    <a:masterClrMapping/>
+  </p:clrMapOvr>
+</p:sld>
+</file>
+
+<file path=ppt/slides/slide55.xml><?xml version="1.0" encoding="utf-8"?>
+<p:sld xmlns:a="http://schemas.openxmlformats.org/drawingml/2006/main" xmlns:r="http://schemas.openxmlformats.org/officeDocument/2006/relationships" xmlns:p="http://schemas.openxmlformats.org/presentationml/2006/main">
+  <p:cSld>
+    <p:spTree>
+      <p:nvGrpSpPr>
+        <p:cNvPr id="1" name=""/>
+        <p:cNvGrpSpPr/>
+        <p:nvPr/>
+      </p:nvGrpSpPr>
+      <p:grpSpPr>
+        <a:xfrm>
+          <a:off x="0" y="0"/>
+          <a:ext cx="0" cy="0"/>
+          <a:chOff x="0" y="0"/>
+          <a:chExt cx="0" cy="0"/>
+        </a:xfrm>
+      </p:grpSpPr>
+      <p:sp>
+        <p:nvSpPr>
+          <p:cNvPr id="2" name="제목 1">
+            <a:extLst>
+              <a:ext uri="{FF2B5EF4-FFF2-40B4-BE49-F238E27FC236}">
+                <a16:creationId xmlns:a16="http://schemas.microsoft.com/office/drawing/2014/main" id="{B1EE2A70-B717-47D7-9328-9D0BC99DFF6B}"/>
+              </a:ext>
+            </a:extLst>
+          </p:cNvPr>
+          <p:cNvSpPr>
+            <a:spLocks noGrp="1"/>
+          </p:cNvSpPr>
+          <p:nvPr>
+            <p:ph type="title"/>
+          </p:nvPr>
+        </p:nvSpPr>
+        <p:spPr/>
+        <p:txBody>
+          <a:bodyPr/>
+          <a:lstStyle/>
+          <a:p>
+            <a:r>
+              <a:rPr lang="en-US" altLang="ko-KR" dirty="0"/>
+              <a:t>GitHub</a:t>
+            </a:r>
+            <a:r>
+              <a:rPr lang="ko-KR" altLang="en-US" dirty="0"/>
+              <a:t>에서 </a:t>
+            </a:r>
+            <a:r>
+              <a:rPr lang="en-US" altLang="ko-KR" dirty="0"/>
+              <a:t>Slack </a:t>
+            </a:r>
+            <a:r>
+              <a:rPr lang="ko-KR" altLang="en-US" dirty="0"/>
+              <a:t>설정 및 완료</a:t>
+            </a:r>
+          </a:p>
+        </p:txBody>
+      </p:sp>
+      <p:sp>
+        <p:nvSpPr>
+          <p:cNvPr id="4" name="슬라이드 번호 개체 틀 3">
+            <a:extLst>
+              <a:ext uri="{FF2B5EF4-FFF2-40B4-BE49-F238E27FC236}">
+                <a16:creationId xmlns:a16="http://schemas.microsoft.com/office/drawing/2014/main" id="{8BE2387A-4599-4EA6-A3D0-8695BE420AF8}"/>
+              </a:ext>
+            </a:extLst>
+          </p:cNvPr>
+          <p:cNvSpPr>
+            <a:spLocks noGrp="1"/>
+          </p:cNvSpPr>
+          <p:nvPr>
+            <p:ph type="sldNum" sz="quarter" idx="12"/>
+          </p:nvPr>
+        </p:nvSpPr>
+        <p:spPr/>
+        <p:txBody>
+          <a:bodyPr/>
+          <a:lstStyle/>
+          <a:p>
+            <a:fld id="{64F0D409-D3F6-4EEC-8C77-1F5E89989FFB}" type="slidenum">
+              <a:rPr lang="ko-KR" altLang="en-US" smtClean="0"/>
+              <a:t>55</a:t>
             </a:fld>
             <a:endParaRPr lang="ko-KR" altLang="en-US"/>
           </a:p>
@@ -14921,7 +15637,7 @@
 </p:sld>
 </file>
 
-<file path=ppt/slides/slide54.xml><?xml version="1.0" encoding="utf-8"?>
+<file path=ppt/slides/slide56.xml><?xml version="1.0" encoding="utf-8"?>
 <p:sld xmlns:a="http://schemas.openxmlformats.org/drawingml/2006/main" xmlns:r="http://schemas.openxmlformats.org/officeDocument/2006/relationships" xmlns:p="http://schemas.openxmlformats.org/presentationml/2006/main">
   <p:cSld>
     <p:spTree>
@@ -15005,7 +15721,7 @@
           <a:p>
             <a:fld id="{64F0D409-D3F6-4EEC-8C77-1F5E89989FFB}" type="slidenum">
               <a:rPr lang="ko-KR" altLang="en-US" smtClean="0"/>
-              <a:t>54</a:t>
+              <a:t>56</a:t>
             </a:fld>
             <a:endParaRPr lang="ko-KR" altLang="en-US"/>
           </a:p>
@@ -15096,443 +15812,6 @@
 </p:sld>
 </file>
 
-<file path=ppt/slides/slide55.xml><?xml version="1.0" encoding="utf-8"?>
-<p:sld xmlns:a="http://schemas.openxmlformats.org/drawingml/2006/main" xmlns:r="http://schemas.openxmlformats.org/officeDocument/2006/relationships" xmlns:p="http://schemas.openxmlformats.org/presentationml/2006/main">
-  <p:cSld>
-    <p:spTree>
-      <p:nvGrpSpPr>
-        <p:cNvPr id="1" name=""/>
-        <p:cNvGrpSpPr/>
-        <p:nvPr/>
-      </p:nvGrpSpPr>
-      <p:grpSpPr>
-        <a:xfrm>
-          <a:off x="0" y="0"/>
-          <a:ext cx="0" cy="0"/>
-          <a:chOff x="0" y="0"/>
-          <a:chExt cx="0" cy="0"/>
-        </a:xfrm>
-      </p:grpSpPr>
-      <p:sp>
-        <p:nvSpPr>
-          <p:cNvPr id="2" name="제목 1">
-            <a:extLst>
-              <a:ext uri="{FF2B5EF4-FFF2-40B4-BE49-F238E27FC236}">
-                <a16:creationId xmlns:a16="http://schemas.microsoft.com/office/drawing/2014/main" id="{596BDD53-1392-4BF5-BE03-3062B7DD2E9F}"/>
-              </a:ext>
-            </a:extLst>
-          </p:cNvPr>
-          <p:cNvSpPr>
-            <a:spLocks noGrp="1"/>
-          </p:cNvSpPr>
-          <p:nvPr>
-            <p:ph type="title"/>
-          </p:nvPr>
-        </p:nvSpPr>
-        <p:spPr/>
-        <p:txBody>
-          <a:bodyPr/>
-          <a:lstStyle/>
-          <a:p>
-            <a:r>
-              <a:rPr lang="en-US" altLang="ko-KR" dirty="0"/>
-              <a:t>Service Environment </a:t>
-            </a:r>
-            <a:r>
-              <a:rPr lang="ko-KR" altLang="en-US" dirty="0"/>
-              <a:t>구성</a:t>
-            </a:r>
-          </a:p>
-        </p:txBody>
-      </p:sp>
-      <p:sp>
-        <p:nvSpPr>
-          <p:cNvPr id="3" name="내용 개체 틀 2">
-            <a:extLst>
-              <a:ext uri="{FF2B5EF4-FFF2-40B4-BE49-F238E27FC236}">
-                <a16:creationId xmlns:a16="http://schemas.microsoft.com/office/drawing/2014/main" id="{3E6DD330-BD9A-4D98-8777-9CBC6D9065CE}"/>
-              </a:ext>
-            </a:extLst>
-          </p:cNvPr>
-          <p:cNvSpPr>
-            <a:spLocks noGrp="1"/>
-          </p:cNvSpPr>
-          <p:nvPr>
-            <p:ph idx="1"/>
-          </p:nvPr>
-        </p:nvSpPr>
-        <p:spPr/>
-        <p:txBody>
-          <a:bodyPr/>
-          <a:lstStyle/>
-          <a:p>
-            <a:r>
-              <a:rPr lang="en-US" altLang="ko-KR" dirty="0"/>
-              <a:t>J-Cloud instance</a:t>
-            </a:r>
-            <a:r>
-              <a:rPr lang="ko-KR" altLang="en-US" dirty="0"/>
-              <a:t> 추가 생성</a:t>
-            </a:r>
-            <a:endParaRPr lang="en-US" altLang="ko-KR" dirty="0"/>
-          </a:p>
-          <a:p>
-            <a:pPr lvl="1"/>
-            <a:r>
-              <a:rPr lang="ko-KR" altLang="en-US" dirty="0"/>
-              <a:t>서비스 용으로만 사용되는 서버</a:t>
-            </a:r>
-            <a:endParaRPr lang="en-US" altLang="ko-KR" dirty="0"/>
-          </a:p>
-          <a:p>
-            <a:pPr lvl="1"/>
-            <a:r>
-              <a:rPr lang="ko-KR" altLang="en-US" dirty="0"/>
-              <a:t>본래는 빌드 결과물인 바이너리를 받아와서 서비스를 </a:t>
-            </a:r>
-            <a:r>
-              <a:rPr lang="ko-KR" altLang="en-US" dirty="0" err="1"/>
-              <a:t>재시작하는</a:t>
-            </a:r>
-            <a:r>
-              <a:rPr lang="ko-KR" altLang="en-US" dirty="0"/>
-              <a:t> 동작을 </a:t>
-            </a:r>
-            <a:r>
-              <a:rPr lang="ko-KR" altLang="en-US" dirty="0" err="1"/>
-              <a:t>해야하지만</a:t>
-            </a:r>
-            <a:r>
-              <a:rPr lang="en-US" altLang="ko-KR" dirty="0"/>
-              <a:t>,</a:t>
-            </a:r>
-          </a:p>
-          <a:p>
-            <a:pPr lvl="1"/>
-            <a:r>
-              <a:rPr lang="ko-KR" altLang="en-US" dirty="0"/>
-              <a:t>우리는 빌드가 없으므로 그냥 </a:t>
-            </a:r>
-            <a:r>
-              <a:rPr lang="en-US" altLang="ko-KR" dirty="0"/>
-              <a:t>git pull </a:t>
-            </a:r>
-            <a:r>
-              <a:rPr lang="ko-KR" altLang="en-US" dirty="0"/>
-              <a:t>로 새 버전을 받아와서 서비스를 </a:t>
-            </a:r>
-            <a:r>
-              <a:rPr lang="ko-KR" altLang="en-US" dirty="0" err="1"/>
-              <a:t>재시작하는</a:t>
-            </a:r>
-            <a:r>
-              <a:rPr lang="ko-KR" altLang="en-US" dirty="0"/>
-              <a:t> 동작을 수행</a:t>
-            </a:r>
-            <a:endParaRPr lang="en-US" altLang="ko-KR" dirty="0"/>
-          </a:p>
-          <a:p>
-            <a:pPr lvl="2"/>
-            <a:r>
-              <a:rPr lang="ko-KR" altLang="en-US" dirty="0"/>
-              <a:t>사실 </a:t>
-            </a:r>
-            <a:r>
-              <a:rPr lang="ko-KR" altLang="en-US" dirty="0" err="1"/>
-              <a:t>챗봇도</a:t>
-            </a:r>
-            <a:r>
-              <a:rPr lang="ko-KR" altLang="en-US" dirty="0"/>
-              <a:t> 테스트용을 따로 만들어서 다른 </a:t>
-            </a:r>
-            <a:r>
-              <a:rPr lang="en-US" altLang="ko-KR" dirty="0"/>
-              <a:t>Token </a:t>
-            </a:r>
-            <a:r>
-              <a:rPr lang="ko-KR" altLang="en-US" dirty="0"/>
-              <a:t>으로 관리해야 함</a:t>
-            </a:r>
-            <a:endParaRPr lang="en-US" altLang="ko-KR" dirty="0"/>
-          </a:p>
-          <a:p>
-            <a:pPr lvl="2"/>
-            <a:r>
-              <a:rPr lang="ko-KR" altLang="en-US" dirty="0"/>
-              <a:t>기존 서비스가 동작 중에도 개발 과정이 진행되어야 하므로</a:t>
-            </a:r>
-            <a:endParaRPr lang="en-US" altLang="ko-KR" dirty="0"/>
-          </a:p>
-        </p:txBody>
-      </p:sp>
-      <p:sp>
-        <p:nvSpPr>
-          <p:cNvPr id="4" name="슬라이드 번호 개체 틀 3">
-            <a:extLst>
-              <a:ext uri="{FF2B5EF4-FFF2-40B4-BE49-F238E27FC236}">
-                <a16:creationId xmlns:a16="http://schemas.microsoft.com/office/drawing/2014/main" id="{3940E8D9-65C8-421E-82F3-A058C4539898}"/>
-              </a:ext>
-            </a:extLst>
-          </p:cNvPr>
-          <p:cNvSpPr>
-            <a:spLocks noGrp="1"/>
-          </p:cNvSpPr>
-          <p:nvPr>
-            <p:ph type="sldNum" sz="quarter" idx="12"/>
-          </p:nvPr>
-        </p:nvSpPr>
-        <p:spPr/>
-        <p:txBody>
-          <a:bodyPr/>
-          <a:lstStyle/>
-          <a:p>
-            <a:fld id="{64F0D409-D3F6-4EEC-8C77-1F5E89989FFB}" type="slidenum">
-              <a:rPr lang="ko-KR" altLang="en-US" smtClean="0"/>
-              <a:t>55</a:t>
-            </a:fld>
-            <a:endParaRPr lang="ko-KR" altLang="en-US"/>
-          </a:p>
-        </p:txBody>
-      </p:sp>
-    </p:spTree>
-    <p:extLst>
-      <p:ext uri="{BB962C8B-B14F-4D97-AF65-F5344CB8AC3E}">
-        <p14:creationId xmlns:p14="http://schemas.microsoft.com/office/powerpoint/2010/main" val="194686248"/>
-      </p:ext>
-    </p:extLst>
-  </p:cSld>
-  <p:clrMapOvr>
-    <a:masterClrMapping/>
-  </p:clrMapOvr>
-</p:sld>
-</file>
-
-<file path=ppt/slides/slide56.xml><?xml version="1.0" encoding="utf-8"?>
-<p:sld xmlns:a="http://schemas.openxmlformats.org/drawingml/2006/main" xmlns:r="http://schemas.openxmlformats.org/officeDocument/2006/relationships" xmlns:p="http://schemas.openxmlformats.org/presentationml/2006/main">
-  <p:cSld>
-    <p:spTree>
-      <p:nvGrpSpPr>
-        <p:cNvPr id="1" name=""/>
-        <p:cNvGrpSpPr/>
-        <p:nvPr/>
-      </p:nvGrpSpPr>
-      <p:grpSpPr>
-        <a:xfrm>
-          <a:off x="0" y="0"/>
-          <a:ext cx="0" cy="0"/>
-          <a:chOff x="0" y="0"/>
-          <a:chExt cx="0" cy="0"/>
-        </a:xfrm>
-      </p:grpSpPr>
-      <p:sp>
-        <p:nvSpPr>
-          <p:cNvPr id="9" name="제목 8">
-            <a:extLst>
-              <a:ext uri="{FF2B5EF4-FFF2-40B4-BE49-F238E27FC236}">
-                <a16:creationId xmlns:a16="http://schemas.microsoft.com/office/drawing/2014/main" id="{57F80769-68CE-444E-B248-2D6BA6F6A3FB}"/>
-              </a:ext>
-            </a:extLst>
-          </p:cNvPr>
-          <p:cNvSpPr>
-            <a:spLocks noGrp="1"/>
-          </p:cNvSpPr>
-          <p:nvPr>
-            <p:ph type="title"/>
-          </p:nvPr>
-        </p:nvSpPr>
-        <p:spPr/>
-        <p:txBody>
-          <a:bodyPr/>
-          <a:lstStyle/>
-          <a:p>
-            <a:r>
-              <a:rPr lang="ko-KR" altLang="en-US" dirty="0"/>
-              <a:t>개발 프로세스 준비 완료</a:t>
-            </a:r>
-            <a:r>
-              <a:rPr lang="en-US" altLang="ko-KR" dirty="0"/>
-              <a:t>!</a:t>
-            </a:r>
-            <a:endParaRPr lang="ko-KR" altLang="en-US" dirty="0"/>
-          </a:p>
-        </p:txBody>
-      </p:sp>
-      <p:sp>
-        <p:nvSpPr>
-          <p:cNvPr id="3" name="내용 개체 틀 2">
-            <a:extLst>
-              <a:ext uri="{FF2B5EF4-FFF2-40B4-BE49-F238E27FC236}">
-                <a16:creationId xmlns:a16="http://schemas.microsoft.com/office/drawing/2014/main" id="{9EA1DA83-0E81-487B-9780-4A9B68474AB4}"/>
-              </a:ext>
-            </a:extLst>
-          </p:cNvPr>
-          <p:cNvSpPr>
-            <a:spLocks noGrp="1"/>
-          </p:cNvSpPr>
-          <p:nvPr>
-            <p:ph idx="1"/>
-          </p:nvPr>
-        </p:nvSpPr>
-        <p:spPr/>
-        <p:txBody>
-          <a:bodyPr/>
-          <a:lstStyle/>
-          <a:p>
-            <a:pPr marL="457200" indent="-457200">
-              <a:buFont typeface="+mj-lt"/>
-              <a:buAutoNum type="arabicPeriod"/>
-            </a:pPr>
-            <a:r>
-              <a:rPr lang="en-US" altLang="ko-KR" sz="2000" dirty="0"/>
-              <a:t>Development</a:t>
-            </a:r>
-          </a:p>
-          <a:p>
-            <a:pPr marL="457200" indent="-457200">
-              <a:buFont typeface="+mj-lt"/>
-              <a:buAutoNum type="arabicPeriod"/>
-            </a:pPr>
-            <a:r>
-              <a:rPr lang="en-US" altLang="ko-KR" sz="2000" dirty="0"/>
-              <a:t>Code Convention Check &amp; Unit test </a:t>
-            </a:r>
-          </a:p>
-          <a:p>
-            <a:pPr marL="457200" indent="-457200">
-              <a:buFont typeface="+mj-lt"/>
-              <a:buAutoNum type="arabicPeriod"/>
-            </a:pPr>
-            <a:r>
-              <a:rPr lang="en-US" altLang="ko-KR" sz="2000" dirty="0"/>
-              <a:t>Commit</a:t>
-            </a:r>
-          </a:p>
-          <a:p>
-            <a:pPr marL="457200" indent="-457200">
-              <a:buFont typeface="+mj-lt"/>
-              <a:buAutoNum type="arabicPeriod"/>
-            </a:pPr>
-            <a:r>
-              <a:rPr lang="en-US" altLang="ko-KR" sz="2000" dirty="0"/>
-              <a:t>Pull Request</a:t>
-            </a:r>
-          </a:p>
-          <a:p>
-            <a:pPr marL="457200" indent="-457200">
-              <a:buFont typeface="+mj-lt"/>
-              <a:buAutoNum type="arabicPeriod"/>
-            </a:pPr>
-            <a:r>
-              <a:rPr lang="en-US" altLang="ko-KR" sz="2000" dirty="0"/>
-              <a:t>Code review</a:t>
-            </a:r>
-          </a:p>
-          <a:p>
-            <a:pPr marL="457200" indent="-457200">
-              <a:buFont typeface="+mj-lt"/>
-              <a:buAutoNum type="arabicPeriod"/>
-            </a:pPr>
-            <a:r>
-              <a:rPr lang="en-US" altLang="ko-KR" sz="2000" dirty="0"/>
-              <a:t>Merge</a:t>
-            </a:r>
-          </a:p>
-          <a:p>
-            <a:pPr marL="457200" indent="-457200">
-              <a:buFont typeface="+mj-lt"/>
-              <a:buAutoNum type="arabicPeriod"/>
-            </a:pPr>
-            <a:r>
-              <a:rPr lang="en-US" altLang="ko-KR" sz="2000" dirty="0"/>
-              <a:t>Integration and Build (on the Build environment, deployed by git clone)</a:t>
-            </a:r>
-          </a:p>
-          <a:p>
-            <a:pPr marL="457200" indent="-457200">
-              <a:buFont typeface="+mj-lt"/>
-              <a:buAutoNum type="arabicPeriod"/>
-            </a:pPr>
-            <a:r>
-              <a:rPr lang="en-US" altLang="ko-KR" sz="2000" dirty="0"/>
-              <a:t>Deploy the build results to the Test environment</a:t>
-            </a:r>
-          </a:p>
-          <a:p>
-            <a:pPr marL="457200" indent="-457200">
-              <a:buFont typeface="+mj-lt"/>
-              <a:buAutoNum type="arabicPeriod"/>
-            </a:pPr>
-            <a:r>
-              <a:rPr lang="en-US" altLang="ko-KR" sz="2000" dirty="0"/>
-              <a:t>Integration test</a:t>
-            </a:r>
-          </a:p>
-          <a:p>
-            <a:pPr marL="457200" indent="-457200">
-              <a:buFont typeface="+mj-lt"/>
-              <a:buAutoNum type="arabicPeriod"/>
-            </a:pPr>
-            <a:r>
-              <a:rPr lang="en-US" altLang="ko-KR" sz="2000" dirty="0"/>
-              <a:t>Q/A: Quality Assurance on the Test environment</a:t>
-            </a:r>
-          </a:p>
-          <a:p>
-            <a:pPr marL="457200" indent="-457200">
-              <a:buFont typeface="+mj-lt"/>
-              <a:buAutoNum type="arabicPeriod"/>
-            </a:pPr>
-            <a:r>
-              <a:rPr lang="en-US" altLang="ko-KR" sz="2000" dirty="0"/>
-              <a:t>Deploy to the Service environment</a:t>
-            </a:r>
-            <a:endParaRPr lang="ko-KR" altLang="en-US" sz="2000" dirty="0"/>
-          </a:p>
-        </p:txBody>
-      </p:sp>
-      <p:sp>
-        <p:nvSpPr>
-          <p:cNvPr id="4" name="슬라이드 번호 개체 틀 3">
-            <a:extLst>
-              <a:ext uri="{FF2B5EF4-FFF2-40B4-BE49-F238E27FC236}">
-                <a16:creationId xmlns:a16="http://schemas.microsoft.com/office/drawing/2014/main" id="{98A69BCB-DE97-4978-90F1-FDB0964E5931}"/>
-              </a:ext>
-            </a:extLst>
-          </p:cNvPr>
-          <p:cNvSpPr>
-            <a:spLocks noGrp="1"/>
-          </p:cNvSpPr>
-          <p:nvPr>
-            <p:ph type="sldNum" sz="quarter" idx="12"/>
-          </p:nvPr>
-        </p:nvSpPr>
-        <p:spPr/>
-        <p:txBody>
-          <a:bodyPr/>
-          <a:lstStyle/>
-          <a:p>
-            <a:fld id="{64F0D409-D3F6-4EEC-8C77-1F5E89989FFB}" type="slidenum">
-              <a:rPr lang="ko-KR" altLang="en-US" smtClean="0"/>
-              <a:pPr/>
-              <a:t>56</a:t>
-            </a:fld>
-            <a:endParaRPr lang="ko-KR" altLang="en-US"/>
-          </a:p>
-        </p:txBody>
-      </p:sp>
-    </p:spTree>
-    <p:extLst>
-      <p:ext uri="{BB962C8B-B14F-4D97-AF65-F5344CB8AC3E}">
-        <p14:creationId xmlns:p14="http://schemas.microsoft.com/office/powerpoint/2010/main" val="2673318813"/>
-      </p:ext>
-    </p:extLst>
-  </p:cSld>
-  <p:clrMapOvr>
-    <a:masterClrMapping/>
-  </p:clrMapOvr>
-</p:sld>
-</file>
-
 <file path=ppt/slides/slide57.xml><?xml version="1.0" encoding="utf-8"?>
 <p:sld xmlns:a="http://schemas.openxmlformats.org/drawingml/2006/main" xmlns:r="http://schemas.openxmlformats.org/officeDocument/2006/relationships" xmlns:p="http://schemas.openxmlformats.org/presentationml/2006/main">
   <p:cSld>
@@ -15555,7 +15834,7 @@
           <p:cNvPr id="2" name="제목 1">
             <a:extLst>
               <a:ext uri="{FF2B5EF4-FFF2-40B4-BE49-F238E27FC236}">
-                <a16:creationId xmlns:a16="http://schemas.microsoft.com/office/drawing/2014/main" id="{A00E9FED-E219-4427-91A8-FEB51FDDDEE2}"/>
+                <a16:creationId xmlns:a16="http://schemas.microsoft.com/office/drawing/2014/main" id="{596BDD53-1392-4BF5-BE03-3062B7DD2E9F}"/>
               </a:ext>
             </a:extLst>
           </p:cNvPr>
@@ -15572,33 +15851,225 @@
           <a:lstStyle/>
           <a:p>
             <a:r>
+              <a:rPr lang="en-US" altLang="ko-KR" dirty="0"/>
+              <a:t>Service Environment </a:t>
+            </a:r>
+            <a:r>
               <a:rPr lang="ko-KR" altLang="en-US" dirty="0"/>
-              <a:t>개인 과제 </a:t>
-            </a:r>
-            <a:r>
-              <a:rPr lang="en-US" altLang="ko-KR"/>
-              <a:t>#11</a:t>
-            </a:r>
-            <a:r>
-              <a:rPr lang="ko-KR" altLang="en-US"/>
-              <a:t> </a:t>
-            </a:r>
+              <a:t>구성</a:t>
+            </a:r>
+          </a:p>
+        </p:txBody>
+      </p:sp>
+      <p:sp>
+        <p:nvSpPr>
+          <p:cNvPr id="3" name="내용 개체 틀 2">
+            <a:extLst>
+              <a:ext uri="{FF2B5EF4-FFF2-40B4-BE49-F238E27FC236}">
+                <a16:creationId xmlns:a16="http://schemas.microsoft.com/office/drawing/2014/main" id="{3E6DD330-BD9A-4D98-8777-9CBC6D9065CE}"/>
+              </a:ext>
+            </a:extLst>
+          </p:cNvPr>
+          <p:cNvSpPr>
+            <a:spLocks noGrp="1"/>
+          </p:cNvSpPr>
+          <p:nvPr>
+            <p:ph idx="1"/>
+          </p:nvPr>
+        </p:nvSpPr>
+        <p:spPr/>
+        <p:txBody>
+          <a:bodyPr/>
+          <a:lstStyle/>
+          <a:p>
             <a:r>
               <a:rPr lang="en-US" altLang="ko-KR" dirty="0"/>
-              <a:t>: </a:t>
-            </a:r>
-            <a:r>
-              <a:rPr lang="en-US" altLang="ko-KR" dirty="0" err="1"/>
-              <a:t>ChatBot</a:t>
+              <a:t>J-Cloud instance</a:t>
+            </a:r>
+            <a:r>
+              <a:rPr lang="ko-KR" altLang="en-US" dirty="0"/>
+              <a:t> 추가 생성</a:t>
+            </a:r>
+            <a:endParaRPr lang="en-US" altLang="ko-KR" dirty="0"/>
+          </a:p>
+          <a:p>
+            <a:pPr lvl="1"/>
+            <a:r>
+              <a:rPr lang="ko-KR" altLang="en-US" dirty="0"/>
+              <a:t>서비스 용으로만 사용되는 서버</a:t>
+            </a:r>
+            <a:endParaRPr lang="en-US" altLang="ko-KR" dirty="0"/>
+          </a:p>
+          <a:p>
+            <a:pPr lvl="1"/>
+            <a:r>
+              <a:rPr lang="ko-KR" altLang="en-US" dirty="0"/>
+              <a:t>본래는 빌드 결과물인 바이너리를 받아와서 서비스를 </a:t>
+            </a:r>
+            <a:r>
+              <a:rPr lang="ko-KR" altLang="en-US" dirty="0" err="1"/>
+              <a:t>재시작하는</a:t>
+            </a:r>
+            <a:r>
+              <a:rPr lang="ko-KR" altLang="en-US" dirty="0"/>
+              <a:t> 동작을 </a:t>
+            </a:r>
+            <a:r>
+              <a:rPr lang="ko-KR" altLang="en-US" dirty="0" err="1"/>
+              <a:t>해야하지만</a:t>
             </a:r>
             <a:r>
               <a:rPr lang="en-US" altLang="ko-KR" dirty="0"/>
-              <a:t> </a:t>
-            </a:r>
+              <a:t>,</a:t>
+            </a:r>
+          </a:p>
+          <a:p>
+            <a:pPr lvl="1"/>
             <a:r>
               <a:rPr lang="ko-KR" altLang="en-US" dirty="0"/>
-              <a:t>실습</a:t>
-            </a:r>
+              <a:t>우리는 빌드가 없으므로 그냥 </a:t>
+            </a:r>
+            <a:r>
+              <a:rPr lang="en-US" altLang="ko-KR" dirty="0"/>
+              <a:t>git pull </a:t>
+            </a:r>
+            <a:r>
+              <a:rPr lang="ko-KR" altLang="en-US" dirty="0"/>
+              <a:t>로 새 버전을 받아와서 서비스를 </a:t>
+            </a:r>
+            <a:r>
+              <a:rPr lang="ko-KR" altLang="en-US" dirty="0" err="1"/>
+              <a:t>재시작하는</a:t>
+            </a:r>
+            <a:r>
+              <a:rPr lang="ko-KR" altLang="en-US" dirty="0"/>
+              <a:t> 동작을 수행</a:t>
+            </a:r>
+            <a:endParaRPr lang="en-US" altLang="ko-KR" dirty="0"/>
+          </a:p>
+          <a:p>
+            <a:pPr lvl="2"/>
+            <a:r>
+              <a:rPr lang="ko-KR" altLang="en-US" dirty="0"/>
+              <a:t>사실 </a:t>
+            </a:r>
+            <a:r>
+              <a:rPr lang="ko-KR" altLang="en-US" dirty="0" err="1"/>
+              <a:t>챗봇도</a:t>
+            </a:r>
+            <a:r>
+              <a:rPr lang="ko-KR" altLang="en-US" dirty="0"/>
+              <a:t> 테스트용을 따로 만들어서 다른 </a:t>
+            </a:r>
+            <a:r>
+              <a:rPr lang="en-US" altLang="ko-KR" dirty="0"/>
+              <a:t>Token </a:t>
+            </a:r>
+            <a:r>
+              <a:rPr lang="ko-KR" altLang="en-US" dirty="0"/>
+              <a:t>으로 관리해야 함</a:t>
+            </a:r>
+            <a:endParaRPr lang="en-US" altLang="ko-KR" dirty="0"/>
+          </a:p>
+          <a:p>
+            <a:pPr lvl="2"/>
+            <a:r>
+              <a:rPr lang="ko-KR" altLang="en-US" dirty="0"/>
+              <a:t>기존 서비스가 동작 중에도 개발 과정이 진행되어야 하므로</a:t>
+            </a:r>
+            <a:endParaRPr lang="en-US" altLang="ko-KR" dirty="0"/>
+          </a:p>
+        </p:txBody>
+      </p:sp>
+      <p:sp>
+        <p:nvSpPr>
+          <p:cNvPr id="4" name="슬라이드 번호 개체 틀 3">
+            <a:extLst>
+              <a:ext uri="{FF2B5EF4-FFF2-40B4-BE49-F238E27FC236}">
+                <a16:creationId xmlns:a16="http://schemas.microsoft.com/office/drawing/2014/main" id="{3940E8D9-65C8-421E-82F3-A058C4539898}"/>
+              </a:ext>
+            </a:extLst>
+          </p:cNvPr>
+          <p:cNvSpPr>
+            <a:spLocks noGrp="1"/>
+          </p:cNvSpPr>
+          <p:nvPr>
+            <p:ph type="sldNum" sz="quarter" idx="12"/>
+          </p:nvPr>
+        </p:nvSpPr>
+        <p:spPr/>
+        <p:txBody>
+          <a:bodyPr/>
+          <a:lstStyle/>
+          <a:p>
+            <a:fld id="{64F0D409-D3F6-4EEC-8C77-1F5E89989FFB}" type="slidenum">
+              <a:rPr lang="ko-KR" altLang="en-US" smtClean="0"/>
+              <a:t>57</a:t>
+            </a:fld>
+            <a:endParaRPr lang="ko-KR" altLang="en-US"/>
+          </a:p>
+        </p:txBody>
+      </p:sp>
+    </p:spTree>
+    <p:extLst>
+      <p:ext uri="{BB962C8B-B14F-4D97-AF65-F5344CB8AC3E}">
+        <p14:creationId xmlns:p14="http://schemas.microsoft.com/office/powerpoint/2010/main" val="194686248"/>
+      </p:ext>
+    </p:extLst>
+  </p:cSld>
+  <p:clrMapOvr>
+    <a:masterClrMapping/>
+  </p:clrMapOvr>
+</p:sld>
+</file>
+
+<file path=ppt/slides/slide58.xml><?xml version="1.0" encoding="utf-8"?>
+<p:sld xmlns:a="http://schemas.openxmlformats.org/drawingml/2006/main" xmlns:r="http://schemas.openxmlformats.org/officeDocument/2006/relationships" xmlns:p="http://schemas.openxmlformats.org/presentationml/2006/main">
+  <p:cSld>
+    <p:spTree>
+      <p:nvGrpSpPr>
+        <p:cNvPr id="1" name=""/>
+        <p:cNvGrpSpPr/>
+        <p:nvPr/>
+      </p:nvGrpSpPr>
+      <p:grpSpPr>
+        <a:xfrm>
+          <a:off x="0" y="0"/>
+          <a:ext cx="0" cy="0"/>
+          <a:chOff x="0" y="0"/>
+          <a:chExt cx="0" cy="0"/>
+        </a:xfrm>
+      </p:grpSpPr>
+      <p:sp>
+        <p:nvSpPr>
+          <p:cNvPr id="9" name="제목 8">
+            <a:extLst>
+              <a:ext uri="{FF2B5EF4-FFF2-40B4-BE49-F238E27FC236}">
+                <a16:creationId xmlns:a16="http://schemas.microsoft.com/office/drawing/2014/main" id="{57F80769-68CE-444E-B248-2D6BA6F6A3FB}"/>
+              </a:ext>
+            </a:extLst>
+          </p:cNvPr>
+          <p:cNvSpPr>
+            <a:spLocks noGrp="1"/>
+          </p:cNvSpPr>
+          <p:nvPr>
+            <p:ph type="title"/>
+          </p:nvPr>
+        </p:nvSpPr>
+        <p:spPr/>
+        <p:txBody>
+          <a:bodyPr/>
+          <a:lstStyle/>
+          <a:p>
+            <a:r>
+              <a:rPr lang="ko-KR" altLang="en-US" dirty="0"/>
+              <a:t>개발 프로세스 준비 완료</a:t>
+            </a:r>
+            <a:r>
+              <a:rPr lang="en-US" altLang="ko-KR" dirty="0"/>
+              <a:t>!</a:t>
+            </a:r>
+            <a:endParaRPr lang="ko-KR" altLang="en-US" dirty="0"/>
           </a:p>
         </p:txBody>
       </p:sp>
@@ -15607,7 +16078,7 @@
           <p:cNvPr id="3" name="내용 개체 틀 2">
             <a:extLst>
               <a:ext uri="{FF2B5EF4-FFF2-40B4-BE49-F238E27FC236}">
-                <a16:creationId xmlns:a16="http://schemas.microsoft.com/office/drawing/2014/main" id="{9A611566-00BA-4E73-8E6B-4609EB8806E2}"/>
+                <a16:creationId xmlns:a16="http://schemas.microsoft.com/office/drawing/2014/main" id="{9EA1DA83-0E81-487B-9780-4A9B68474AB4}"/>
               </a:ext>
             </a:extLst>
           </p:cNvPr>
@@ -15623,274 +16094,115 @@
           <a:bodyPr/>
           <a:lstStyle/>
           <a:p>
-            <a:r>
-              <a:rPr lang="ko-KR" altLang="en-US" sz="2000" dirty="0"/>
-              <a:t>다음 항목들 캡처 </a:t>
-            </a:r>
+            <a:pPr marL="457200" indent="-457200">
+              <a:buFont typeface="+mj-lt"/>
+              <a:buAutoNum type="arabicPeriod"/>
+            </a:pPr>
             <a:r>
               <a:rPr lang="en-US" altLang="ko-KR" sz="2000" dirty="0"/>
-              <a:t>(ppt</a:t>
-            </a:r>
-            <a:r>
-              <a:rPr lang="ko-KR" altLang="en-US" sz="2000" dirty="0"/>
-              <a:t>에 간단히 제목 붙여서 작성 후</a:t>
-            </a:r>
+              <a:t>Development</a:t>
+            </a:r>
+          </a:p>
+          <a:p>
+            <a:pPr marL="457200" indent="-457200">
+              <a:buFont typeface="+mj-lt"/>
+              <a:buAutoNum type="arabicPeriod"/>
+            </a:pPr>
             <a:r>
               <a:rPr lang="en-US" altLang="ko-KR" sz="2000" dirty="0"/>
-              <a:t>, PDF</a:t>
-            </a:r>
-            <a:r>
-              <a:rPr lang="ko-KR" altLang="en-US" sz="2000" dirty="0"/>
-              <a:t>로 저장</a:t>
-            </a:r>
+              <a:t>Code Convention Check &amp; Unit test </a:t>
+            </a:r>
+          </a:p>
+          <a:p>
+            <a:pPr marL="457200" indent="-457200">
+              <a:buFont typeface="+mj-lt"/>
+              <a:buAutoNum type="arabicPeriod"/>
+            </a:pPr>
             <a:r>
               <a:rPr lang="en-US" altLang="ko-KR" sz="2000" dirty="0"/>
-              <a:t>, </a:t>
-            </a:r>
-            <a:r>
-              <a:rPr lang="ko-KR" altLang="en-US" sz="2000" dirty="0"/>
-              <a:t>제출</a:t>
-            </a:r>
+              <a:t>Commit</a:t>
+            </a:r>
+          </a:p>
+          <a:p>
+            <a:pPr marL="457200" indent="-457200">
+              <a:buFont typeface="+mj-lt"/>
+              <a:buAutoNum type="arabicPeriod"/>
+            </a:pPr>
             <a:r>
               <a:rPr lang="en-US" altLang="ko-KR" sz="2000" dirty="0"/>
-              <a:t>)</a:t>
-            </a:r>
-          </a:p>
-          <a:p>
-            <a:pPr lvl="1"/>
-            <a:r>
-              <a:rPr lang="en-US" altLang="ko-KR" sz="1800" dirty="0"/>
-              <a:t>Chabot </a:t>
-            </a:r>
-            <a:r>
-              <a:rPr lang="ko-KR" altLang="en-US" sz="1800" dirty="0"/>
-              <a:t>최종 코드 </a:t>
-            </a:r>
-            <a:r>
-              <a:rPr lang="en-US" altLang="ko-KR" sz="1800" dirty="0"/>
-              <a:t>(3</a:t>
-            </a:r>
-            <a:r>
-              <a:rPr lang="ko-KR" altLang="en-US" sz="1800" dirty="0"/>
-              <a:t>개 파일</a:t>
-            </a:r>
-            <a:r>
-              <a:rPr lang="en-US" altLang="ko-KR" sz="1800" dirty="0"/>
-              <a:t>)</a:t>
-            </a:r>
-          </a:p>
-          <a:p>
-            <a:pPr lvl="1"/>
-            <a:r>
-              <a:rPr lang="en-US" altLang="ko-KR" sz="1800" dirty="0" err="1"/>
-              <a:t>ESLint</a:t>
-            </a:r>
-            <a:r>
-              <a:rPr lang="en-US" altLang="ko-KR" sz="1800" dirty="0"/>
-              <a:t> </a:t>
-            </a:r>
-            <a:r>
-              <a:rPr lang="ko-KR" altLang="en-US" sz="1800" dirty="0"/>
-              <a:t>수행 화면 </a:t>
-            </a:r>
-            <a:r>
-              <a:rPr lang="en-US" altLang="ko-KR" sz="1800" dirty="0"/>
-              <a:t>(</a:t>
-            </a:r>
-            <a:r>
-              <a:rPr lang="ko-KR" altLang="en-US" sz="1800" dirty="0"/>
-              <a:t>간단한 에러를 발생 시킬 것 </a:t>
-            </a:r>
-            <a:r>
-              <a:rPr lang="en-US" altLang="ko-KR" sz="1800" dirty="0"/>
-              <a:t>)</a:t>
-            </a:r>
-          </a:p>
-          <a:p>
-            <a:pPr lvl="1"/>
-            <a:r>
-              <a:rPr lang="en-US" altLang="ko-KR" sz="1800" dirty="0"/>
-              <a:t>Husky Git hooks </a:t>
-            </a:r>
-            <a:r>
-              <a:rPr lang="ko-KR" altLang="en-US" sz="1800" dirty="0"/>
-              <a:t>설정 화면 </a:t>
-            </a:r>
-            <a:r>
-              <a:rPr lang="en-US" altLang="ko-KR" sz="1800" dirty="0"/>
-              <a:t>(</a:t>
-            </a:r>
-            <a:r>
-              <a:rPr lang="en-US" altLang="ko-KR" sz="1800" dirty="0" err="1"/>
-              <a:t>package.json</a:t>
-            </a:r>
-            <a:r>
-              <a:rPr lang="en-US" altLang="ko-KR" sz="1800" dirty="0"/>
-              <a:t> </a:t>
-            </a:r>
-            <a:r>
-              <a:rPr lang="ko-KR" altLang="en-US" sz="1800" dirty="0"/>
-              <a:t>에서 </a:t>
-            </a:r>
-            <a:r>
-              <a:rPr lang="en-US" altLang="ko-KR" sz="1800" dirty="0"/>
-              <a:t>husky </a:t>
-            </a:r>
-            <a:r>
-              <a:rPr lang="ko-KR" altLang="en-US" sz="1800" dirty="0"/>
-              <a:t>부분만</a:t>
-            </a:r>
-            <a:r>
-              <a:rPr lang="en-US" altLang="ko-KR" sz="1800" dirty="0"/>
-              <a:t>)</a:t>
-            </a:r>
-          </a:p>
-          <a:p>
-            <a:pPr lvl="1"/>
-            <a:r>
-              <a:rPr lang="en-US" altLang="ko-KR" sz="1800" dirty="0"/>
-              <a:t>Integration</a:t>
-            </a:r>
-            <a:r>
-              <a:rPr lang="ko-KR" altLang="en-US" sz="1800" dirty="0"/>
-              <a:t> </a:t>
-            </a:r>
-            <a:r>
-              <a:rPr lang="en-US" altLang="ko-KR" sz="1800" dirty="0"/>
-              <a:t>test</a:t>
-            </a:r>
-            <a:r>
-              <a:rPr lang="ko-KR" altLang="en-US" sz="1800" dirty="0"/>
-              <a:t> 코드 및 수행 화면</a:t>
-            </a:r>
-            <a:endParaRPr lang="en-US" altLang="ko-KR" sz="1800" dirty="0"/>
-          </a:p>
-          <a:p>
-            <a:pPr lvl="1"/>
-            <a:r>
-              <a:rPr lang="en-US" altLang="ko-KR" sz="1800" dirty="0"/>
-              <a:t>GitHub </a:t>
-            </a:r>
-            <a:r>
-              <a:rPr lang="ko-KR" altLang="en-US" sz="1800" dirty="0"/>
-              <a:t>프로젝트 화면</a:t>
-            </a:r>
-            <a:endParaRPr lang="en-US" altLang="ko-KR" sz="1800" dirty="0"/>
-          </a:p>
-          <a:p>
-            <a:pPr lvl="1"/>
-            <a:r>
-              <a:rPr lang="en-US" altLang="ko-KR" sz="1800" dirty="0"/>
-              <a:t>Slack</a:t>
-            </a:r>
-            <a:r>
-              <a:rPr lang="ko-KR" altLang="en-US" sz="1800" dirty="0"/>
-              <a:t>과 </a:t>
-            </a:r>
-            <a:r>
-              <a:rPr lang="en-US" altLang="ko-KR" sz="1800" dirty="0"/>
-              <a:t>GitHub </a:t>
-            </a:r>
-            <a:r>
-              <a:rPr lang="ko-KR" altLang="en-US" sz="1800" dirty="0"/>
-              <a:t>연동하고</a:t>
-            </a:r>
-            <a:r>
-              <a:rPr lang="en-US" altLang="ko-KR" sz="1800" dirty="0"/>
-              <a:t>, </a:t>
-            </a:r>
-            <a:r>
-              <a:rPr lang="ko-KR" altLang="en-US" sz="1800" dirty="0"/>
-              <a:t>이슈를 생성해 </a:t>
-            </a:r>
-            <a:r>
-              <a:rPr lang="en-US" altLang="ko-KR" sz="1800" dirty="0"/>
-              <a:t>Slack</a:t>
-            </a:r>
-            <a:r>
-              <a:rPr lang="ko-KR" altLang="en-US" sz="1800" dirty="0"/>
-              <a:t>에 </a:t>
-            </a:r>
-            <a:r>
-              <a:rPr lang="ko-KR" altLang="en-US" sz="1800" dirty="0" err="1"/>
-              <a:t>알림온</a:t>
-            </a:r>
-            <a:r>
-              <a:rPr lang="ko-KR" altLang="en-US" sz="1800" dirty="0"/>
-              <a:t> 화면</a:t>
-            </a:r>
-            <a:endParaRPr lang="en-US" altLang="ko-KR" sz="1800" dirty="0"/>
-          </a:p>
-          <a:p>
-            <a:pPr lvl="1"/>
-            <a:endParaRPr lang="en-US" altLang="ko-KR" sz="1800" dirty="0"/>
-          </a:p>
-          <a:p>
-            <a:r>
-              <a:rPr lang="ko-KR" altLang="en-US" sz="2000" dirty="0"/>
-              <a:t>제출 기한</a:t>
-            </a:r>
+              <a:t>Pull Request</a:t>
+            </a:r>
+          </a:p>
+          <a:p>
+            <a:pPr marL="457200" indent="-457200">
+              <a:buFont typeface="+mj-lt"/>
+              <a:buAutoNum type="arabicPeriod"/>
+            </a:pPr>
             <a:r>
               <a:rPr lang="en-US" altLang="ko-KR" sz="2000" dirty="0"/>
-              <a:t>:</a:t>
-            </a:r>
-          </a:p>
-          <a:p>
-            <a:pPr lvl="1"/>
-            <a:r>
-              <a:rPr lang="en-US" altLang="ko-KR" sz="1800" dirty="0"/>
-              <a:t>11/24 (</a:t>
-            </a:r>
-            <a:r>
-              <a:rPr lang="ko-KR" altLang="en-US" sz="1800" dirty="0"/>
-              <a:t>일</a:t>
-            </a:r>
-            <a:r>
-              <a:rPr lang="en-US" altLang="ko-KR" sz="1800" dirty="0"/>
-              <a:t>) 23:59</a:t>
-            </a:r>
-          </a:p>
-          <a:p>
-            <a:pPr lvl="1"/>
-            <a:r>
-              <a:rPr lang="ko-KR" altLang="en-US" sz="1800" dirty="0"/>
-              <a:t>지각 감점</a:t>
-            </a:r>
-            <a:r>
-              <a:rPr lang="en-US" altLang="ko-KR" sz="1800" dirty="0"/>
-              <a:t>: 5%p / day</a:t>
-            </a:r>
-            <a:r>
-              <a:rPr lang="ko-KR" altLang="en-US" sz="1800" dirty="0"/>
-              <a:t> </a:t>
-            </a:r>
-            <a:r>
-              <a:rPr lang="en-US" altLang="ko-KR" sz="1800" dirty="0"/>
-              <a:t>(3</a:t>
-            </a:r>
-            <a:r>
-              <a:rPr lang="ko-KR" altLang="en-US" sz="1800" dirty="0"/>
-              <a:t>주 내 제출해야 함</a:t>
-            </a:r>
-            <a:r>
-              <a:rPr lang="en-US" altLang="ko-KR" sz="1800" dirty="0"/>
-              <a:t>)</a:t>
-            </a:r>
-          </a:p>
-          <a:p>
-            <a:endParaRPr lang="en-US" altLang="ko-KR" sz="2000" dirty="0"/>
-          </a:p>
-          <a:p>
-            <a:pPr lvl="1"/>
-            <a:endParaRPr lang="en-US" altLang="ko-KR" sz="1800" dirty="0"/>
-          </a:p>
-          <a:p>
-            <a:pPr lvl="2"/>
-            <a:endParaRPr lang="en-US" altLang="ko-KR" sz="1600" dirty="0"/>
-          </a:p>
-          <a:p>
-            <a:pPr lvl="2"/>
-            <a:endParaRPr lang="ko-KR" altLang="en-US" sz="1600" dirty="0"/>
+              <a:t>Code review</a:t>
+            </a:r>
+          </a:p>
+          <a:p>
+            <a:pPr marL="457200" indent="-457200">
+              <a:buFont typeface="+mj-lt"/>
+              <a:buAutoNum type="arabicPeriod"/>
+            </a:pPr>
+            <a:r>
+              <a:rPr lang="en-US" altLang="ko-KR" sz="2000" dirty="0"/>
+              <a:t>Merge</a:t>
+            </a:r>
+          </a:p>
+          <a:p>
+            <a:pPr marL="457200" indent="-457200">
+              <a:buFont typeface="+mj-lt"/>
+              <a:buAutoNum type="arabicPeriod"/>
+            </a:pPr>
+            <a:r>
+              <a:rPr lang="en-US" altLang="ko-KR" sz="2000" dirty="0"/>
+              <a:t>Integration and Build (on the Build environment, deployed by git clone)</a:t>
+            </a:r>
+          </a:p>
+          <a:p>
+            <a:pPr marL="457200" indent="-457200">
+              <a:buFont typeface="+mj-lt"/>
+              <a:buAutoNum type="arabicPeriod"/>
+            </a:pPr>
+            <a:r>
+              <a:rPr lang="en-US" altLang="ko-KR" sz="2000" dirty="0"/>
+              <a:t>Deploy the build results to the Test environment</a:t>
+            </a:r>
+          </a:p>
+          <a:p>
+            <a:pPr marL="457200" indent="-457200">
+              <a:buFont typeface="+mj-lt"/>
+              <a:buAutoNum type="arabicPeriod"/>
+            </a:pPr>
+            <a:r>
+              <a:rPr lang="en-US" altLang="ko-KR" sz="2000" dirty="0"/>
+              <a:t>Integration test</a:t>
+            </a:r>
+          </a:p>
+          <a:p>
+            <a:pPr marL="457200" indent="-457200">
+              <a:buFont typeface="+mj-lt"/>
+              <a:buAutoNum type="arabicPeriod"/>
+            </a:pPr>
+            <a:r>
+              <a:rPr lang="en-US" altLang="ko-KR" sz="2000" dirty="0"/>
+              <a:t>Q/A: Quality Assurance on the Test environment</a:t>
+            </a:r>
+          </a:p>
+          <a:p>
+            <a:pPr marL="457200" indent="-457200">
+              <a:buFont typeface="+mj-lt"/>
+              <a:buAutoNum type="arabicPeriod"/>
+            </a:pPr>
+            <a:r>
+              <a:rPr lang="en-US" altLang="ko-KR" sz="2000" dirty="0"/>
+              <a:t>Deploy to the Service environment</a:t>
+            </a:r>
+            <a:endParaRPr lang="ko-KR" altLang="en-US" sz="2000" dirty="0"/>
           </a:p>
         </p:txBody>
       </p:sp>
@@ -15899,7 +16211,7 @@
           <p:cNvPr id="4" name="슬라이드 번호 개체 틀 3">
             <a:extLst>
               <a:ext uri="{FF2B5EF4-FFF2-40B4-BE49-F238E27FC236}">
-                <a16:creationId xmlns:a16="http://schemas.microsoft.com/office/drawing/2014/main" id="{A7B5FDD3-C21D-4FFC-AE84-38CCB55EE8CB}"/>
+                <a16:creationId xmlns:a16="http://schemas.microsoft.com/office/drawing/2014/main" id="{98A69BCB-DE97-4978-90F1-FDB0964E5931}"/>
               </a:ext>
             </a:extLst>
           </p:cNvPr>
@@ -15918,7 +16230,411 @@
             <a:fld id="{64F0D409-D3F6-4EEC-8C77-1F5E89989FFB}" type="slidenum">
               <a:rPr lang="ko-KR" altLang="en-US" smtClean="0"/>
               <a:pPr/>
-              <a:t>57</a:t>
+              <a:t>58</a:t>
+            </a:fld>
+            <a:endParaRPr lang="ko-KR" altLang="en-US"/>
+          </a:p>
+        </p:txBody>
+      </p:sp>
+    </p:spTree>
+    <p:extLst>
+      <p:ext uri="{BB962C8B-B14F-4D97-AF65-F5344CB8AC3E}">
+        <p14:creationId xmlns:p14="http://schemas.microsoft.com/office/powerpoint/2010/main" val="2673318813"/>
+      </p:ext>
+    </p:extLst>
+  </p:cSld>
+  <p:clrMapOvr>
+    <a:masterClrMapping/>
+  </p:clrMapOvr>
+</p:sld>
+</file>
+
+<file path=ppt/slides/slide59.xml><?xml version="1.0" encoding="utf-8"?>
+<p:sld xmlns:a="http://schemas.openxmlformats.org/drawingml/2006/main" xmlns:r="http://schemas.openxmlformats.org/officeDocument/2006/relationships" xmlns:p="http://schemas.openxmlformats.org/presentationml/2006/main">
+  <p:cSld>
+    <p:spTree>
+      <p:nvGrpSpPr>
+        <p:cNvPr id="1" name=""/>
+        <p:cNvGrpSpPr/>
+        <p:nvPr/>
+      </p:nvGrpSpPr>
+      <p:grpSpPr>
+        <a:xfrm>
+          <a:off x="0" y="0"/>
+          <a:ext cx="0" cy="0"/>
+          <a:chOff x="0" y="0"/>
+          <a:chExt cx="0" cy="0"/>
+        </a:xfrm>
+      </p:grpSpPr>
+      <p:sp>
+        <p:nvSpPr>
+          <p:cNvPr id="2" name="제목 1">
+            <a:extLst>
+              <a:ext uri="{FF2B5EF4-FFF2-40B4-BE49-F238E27FC236}">
+                <a16:creationId xmlns:a16="http://schemas.microsoft.com/office/drawing/2014/main" id="{A00E9FED-E219-4427-91A8-FEB51FDDDEE2}"/>
+              </a:ext>
+            </a:extLst>
+          </p:cNvPr>
+          <p:cNvSpPr>
+            <a:spLocks noGrp="1"/>
+          </p:cNvSpPr>
+          <p:nvPr>
+            <p:ph type="title"/>
+          </p:nvPr>
+        </p:nvSpPr>
+        <p:spPr/>
+        <p:txBody>
+          <a:bodyPr/>
+          <a:lstStyle/>
+          <a:p>
+            <a:r>
+              <a:rPr lang="ko-KR" altLang="en-US" dirty="0"/>
+              <a:t>개인 과제 </a:t>
+            </a:r>
+            <a:r>
+              <a:rPr lang="en-US" altLang="ko-KR"/>
+              <a:t>#11</a:t>
+            </a:r>
+            <a:r>
+              <a:rPr lang="ko-KR" altLang="en-US"/>
+              <a:t> </a:t>
+            </a:r>
+            <a:r>
+              <a:rPr lang="en-US" altLang="ko-KR" dirty="0"/>
+              <a:t>: </a:t>
+            </a:r>
+            <a:r>
+              <a:rPr lang="en-US" altLang="ko-KR" dirty="0" err="1"/>
+              <a:t>ChatBot</a:t>
+            </a:r>
+            <a:r>
+              <a:rPr lang="en-US" altLang="ko-KR" dirty="0"/>
+              <a:t> </a:t>
+            </a:r>
+            <a:r>
+              <a:rPr lang="ko-KR" altLang="en-US" dirty="0"/>
+              <a:t>실습</a:t>
+            </a:r>
+          </a:p>
+        </p:txBody>
+      </p:sp>
+      <p:sp>
+        <p:nvSpPr>
+          <p:cNvPr id="3" name="내용 개체 틀 2">
+            <a:extLst>
+              <a:ext uri="{FF2B5EF4-FFF2-40B4-BE49-F238E27FC236}">
+                <a16:creationId xmlns:a16="http://schemas.microsoft.com/office/drawing/2014/main" id="{9A611566-00BA-4E73-8E6B-4609EB8806E2}"/>
+              </a:ext>
+            </a:extLst>
+          </p:cNvPr>
+          <p:cNvSpPr>
+            <a:spLocks noGrp="1"/>
+          </p:cNvSpPr>
+          <p:nvPr>
+            <p:ph idx="1"/>
+          </p:nvPr>
+        </p:nvSpPr>
+        <p:spPr/>
+        <p:txBody>
+          <a:bodyPr/>
+          <a:lstStyle/>
+          <a:p>
+            <a:r>
+              <a:rPr lang="ko-KR" altLang="en-US" sz="2000" dirty="0"/>
+              <a:t>다음 항목들 캡처 </a:t>
+            </a:r>
+            <a:r>
+              <a:rPr lang="en-US" altLang="ko-KR" sz="2000" dirty="0"/>
+              <a:t>(ppt</a:t>
+            </a:r>
+            <a:r>
+              <a:rPr lang="ko-KR" altLang="en-US" sz="2000" dirty="0"/>
+              <a:t>에 간단히 제목 붙여서 작성 후</a:t>
+            </a:r>
+            <a:r>
+              <a:rPr lang="en-US" altLang="ko-KR" sz="2000" dirty="0"/>
+              <a:t>, PDF</a:t>
+            </a:r>
+            <a:r>
+              <a:rPr lang="ko-KR" altLang="en-US" sz="2000" dirty="0"/>
+              <a:t>로 저장</a:t>
+            </a:r>
+            <a:r>
+              <a:rPr lang="en-US" altLang="ko-KR" sz="2000" dirty="0"/>
+              <a:t>, </a:t>
+            </a:r>
+            <a:r>
+              <a:rPr lang="ko-KR" altLang="en-US" sz="2000" dirty="0"/>
+              <a:t>제출</a:t>
+            </a:r>
+            <a:r>
+              <a:rPr lang="en-US" altLang="ko-KR" sz="2000" dirty="0"/>
+              <a:t>)</a:t>
+            </a:r>
+          </a:p>
+          <a:p>
+            <a:pPr lvl="1"/>
+            <a:r>
+              <a:rPr lang="en-US" altLang="ko-KR" sz="1800" dirty="0"/>
+              <a:t>Chabot </a:t>
+            </a:r>
+            <a:r>
+              <a:rPr lang="ko-KR" altLang="en-US" sz="1800" dirty="0"/>
+              <a:t>최종 코드 </a:t>
+            </a:r>
+            <a:r>
+              <a:rPr lang="en-US" altLang="ko-KR" sz="1800" dirty="0"/>
+              <a:t>(3</a:t>
+            </a:r>
+            <a:r>
+              <a:rPr lang="ko-KR" altLang="en-US" sz="1800" dirty="0"/>
+              <a:t>개 파일</a:t>
+            </a:r>
+            <a:r>
+              <a:rPr lang="en-US" altLang="ko-KR" sz="1800" dirty="0"/>
+              <a:t>)</a:t>
+            </a:r>
+          </a:p>
+          <a:p>
+            <a:pPr lvl="1"/>
+            <a:r>
+              <a:rPr lang="en-US" altLang="ko-KR" sz="1800" dirty="0" err="1"/>
+              <a:t>ESLint</a:t>
+            </a:r>
+            <a:r>
+              <a:rPr lang="en-US" altLang="ko-KR" sz="1800" dirty="0"/>
+              <a:t> </a:t>
+            </a:r>
+            <a:r>
+              <a:rPr lang="ko-KR" altLang="en-US" sz="1800" dirty="0"/>
+              <a:t>수행 화면 </a:t>
+            </a:r>
+            <a:r>
+              <a:rPr lang="en-US" altLang="ko-KR" sz="1800" dirty="0"/>
+              <a:t>(</a:t>
+            </a:r>
+            <a:r>
+              <a:rPr lang="ko-KR" altLang="en-US" sz="1800" dirty="0"/>
+              <a:t>간단한 에러를 발생 시킬 것 </a:t>
+            </a:r>
+            <a:r>
+              <a:rPr lang="en-US" altLang="ko-KR" sz="1800" dirty="0"/>
+              <a:t>)</a:t>
+            </a:r>
+          </a:p>
+          <a:p>
+            <a:pPr lvl="1"/>
+            <a:r>
+              <a:rPr lang="en-US" altLang="ko-KR" sz="1800" dirty="0"/>
+              <a:t>Husky Git hooks </a:t>
+            </a:r>
+            <a:r>
+              <a:rPr lang="ko-KR" altLang="en-US" sz="1800" dirty="0"/>
+              <a:t>설정 화면 </a:t>
+            </a:r>
+            <a:r>
+              <a:rPr lang="en-US" altLang="ko-KR" sz="1800" dirty="0"/>
+              <a:t>(</a:t>
+            </a:r>
+            <a:r>
+              <a:rPr lang="en-US" altLang="ko-KR" sz="1800" dirty="0" err="1"/>
+              <a:t>package.json</a:t>
+            </a:r>
+            <a:r>
+              <a:rPr lang="en-US" altLang="ko-KR" sz="1800" dirty="0"/>
+              <a:t> </a:t>
+            </a:r>
+            <a:r>
+              <a:rPr lang="ko-KR" altLang="en-US" sz="1800" dirty="0"/>
+              <a:t>에서 </a:t>
+            </a:r>
+            <a:r>
+              <a:rPr lang="en-US" altLang="ko-KR" sz="1800" dirty="0"/>
+              <a:t>husky </a:t>
+            </a:r>
+            <a:r>
+              <a:rPr lang="ko-KR" altLang="en-US" sz="1800" dirty="0"/>
+              <a:t>부분만</a:t>
+            </a:r>
+            <a:r>
+              <a:rPr lang="en-US" altLang="ko-KR" sz="1800" dirty="0"/>
+              <a:t>)</a:t>
+            </a:r>
+          </a:p>
+          <a:p>
+            <a:pPr lvl="1"/>
+            <a:r>
+              <a:rPr lang="en-US" altLang="ko-KR" sz="1800" dirty="0"/>
+              <a:t>Integration</a:t>
+            </a:r>
+            <a:r>
+              <a:rPr lang="ko-KR" altLang="en-US" sz="1800" dirty="0"/>
+              <a:t> </a:t>
+            </a:r>
+            <a:r>
+              <a:rPr lang="en-US" altLang="ko-KR" sz="1800" dirty="0"/>
+              <a:t>test</a:t>
+            </a:r>
+            <a:r>
+              <a:rPr lang="ko-KR" altLang="en-US" sz="1800" dirty="0"/>
+              <a:t> 코드 및 수행 화면</a:t>
+            </a:r>
+            <a:endParaRPr lang="en-US" altLang="ko-KR" sz="1800" dirty="0"/>
+          </a:p>
+          <a:p>
+            <a:pPr lvl="1"/>
+            <a:r>
+              <a:rPr lang="en-US" altLang="ko-KR" sz="1800" dirty="0"/>
+              <a:t>GitHub </a:t>
+            </a:r>
+            <a:r>
+              <a:rPr lang="ko-KR" altLang="en-US" sz="1800" dirty="0"/>
+              <a:t>프로젝트 화면</a:t>
+            </a:r>
+            <a:endParaRPr lang="en-US" altLang="ko-KR" sz="1800" dirty="0"/>
+          </a:p>
+          <a:p>
+            <a:pPr lvl="1"/>
+            <a:r>
+              <a:rPr lang="en-US" altLang="ko-KR" sz="1800" dirty="0"/>
+              <a:t>Slack</a:t>
+            </a:r>
+            <a:r>
+              <a:rPr lang="ko-KR" altLang="en-US" sz="1800" dirty="0"/>
+              <a:t>과 </a:t>
+            </a:r>
+            <a:r>
+              <a:rPr lang="en-US" altLang="ko-KR" sz="1800" dirty="0"/>
+              <a:t>GitHub </a:t>
+            </a:r>
+            <a:r>
+              <a:rPr lang="ko-KR" altLang="en-US" sz="1800" dirty="0"/>
+              <a:t>연동하고</a:t>
+            </a:r>
+            <a:r>
+              <a:rPr lang="en-US" altLang="ko-KR" sz="1800" dirty="0"/>
+              <a:t>, </a:t>
+            </a:r>
+            <a:r>
+              <a:rPr lang="ko-KR" altLang="en-US" sz="1800" dirty="0"/>
+              <a:t>이슈를 생성해 </a:t>
+            </a:r>
+            <a:r>
+              <a:rPr lang="en-US" altLang="ko-KR" sz="1800" dirty="0"/>
+              <a:t>Slack</a:t>
+            </a:r>
+            <a:r>
+              <a:rPr lang="ko-KR" altLang="en-US" sz="1800" dirty="0"/>
+              <a:t>에 </a:t>
+            </a:r>
+            <a:r>
+              <a:rPr lang="ko-KR" altLang="en-US" sz="1800" dirty="0" err="1"/>
+              <a:t>알림온</a:t>
+            </a:r>
+            <a:r>
+              <a:rPr lang="ko-KR" altLang="en-US" sz="1800" dirty="0"/>
+              <a:t> 화면</a:t>
+            </a:r>
+            <a:endParaRPr lang="en-US" altLang="ko-KR" sz="1800" dirty="0"/>
+          </a:p>
+          <a:p>
+            <a:pPr lvl="1"/>
+            <a:endParaRPr lang="en-US" altLang="ko-KR" sz="1800" dirty="0"/>
+          </a:p>
+          <a:p>
+            <a:r>
+              <a:rPr lang="ko-KR" altLang="en-US" sz="2000" dirty="0"/>
+              <a:t>제출 기한</a:t>
+            </a:r>
+            <a:r>
+              <a:rPr lang="en-US" altLang="ko-KR" sz="2000" dirty="0"/>
+              <a:t>:</a:t>
+            </a:r>
+          </a:p>
+          <a:p>
+            <a:pPr lvl="1"/>
+            <a:r>
+              <a:rPr lang="en-US" altLang="ko-KR" sz="1800" dirty="0"/>
+              <a:t>11/24 (</a:t>
+            </a:r>
+            <a:r>
+              <a:rPr lang="ko-KR" altLang="en-US" sz="1800" dirty="0"/>
+              <a:t>일</a:t>
+            </a:r>
+            <a:r>
+              <a:rPr lang="en-US" altLang="ko-KR" sz="1800" dirty="0"/>
+              <a:t>) 23:59</a:t>
+            </a:r>
+          </a:p>
+          <a:p>
+            <a:pPr lvl="1"/>
+            <a:r>
+              <a:rPr lang="ko-KR" altLang="en-US" sz="1800" dirty="0"/>
+              <a:t>지각 감점</a:t>
+            </a:r>
+            <a:r>
+              <a:rPr lang="en-US" altLang="ko-KR" sz="1800" dirty="0"/>
+              <a:t>: 5%p / day</a:t>
+            </a:r>
+            <a:r>
+              <a:rPr lang="ko-KR" altLang="en-US" sz="1800" dirty="0"/>
+              <a:t> </a:t>
+            </a:r>
+            <a:r>
+              <a:rPr lang="en-US" altLang="ko-KR" sz="1800" dirty="0"/>
+              <a:t>(3</a:t>
+            </a:r>
+            <a:r>
+              <a:rPr lang="ko-KR" altLang="en-US" sz="1800" dirty="0"/>
+              <a:t>주 내 제출해야 함</a:t>
+            </a:r>
+            <a:r>
+              <a:rPr lang="en-US" altLang="ko-KR" sz="1800" dirty="0"/>
+              <a:t>)</a:t>
+            </a:r>
+          </a:p>
+          <a:p>
+            <a:endParaRPr lang="en-US" altLang="ko-KR" sz="2000" dirty="0"/>
+          </a:p>
+          <a:p>
+            <a:pPr lvl="1"/>
+            <a:endParaRPr lang="en-US" altLang="ko-KR" sz="1800" dirty="0"/>
+          </a:p>
+          <a:p>
+            <a:pPr lvl="2"/>
+            <a:endParaRPr lang="en-US" altLang="ko-KR" sz="1600" dirty="0"/>
+          </a:p>
+          <a:p>
+            <a:pPr lvl="2"/>
+            <a:endParaRPr lang="ko-KR" altLang="en-US" sz="1600" dirty="0"/>
+          </a:p>
+        </p:txBody>
+      </p:sp>
+      <p:sp>
+        <p:nvSpPr>
+          <p:cNvPr id="4" name="슬라이드 번호 개체 틀 3">
+            <a:extLst>
+              <a:ext uri="{FF2B5EF4-FFF2-40B4-BE49-F238E27FC236}">
+                <a16:creationId xmlns:a16="http://schemas.microsoft.com/office/drawing/2014/main" id="{A7B5FDD3-C21D-4FFC-AE84-38CCB55EE8CB}"/>
+              </a:ext>
+            </a:extLst>
+          </p:cNvPr>
+          <p:cNvSpPr>
+            <a:spLocks noGrp="1"/>
+          </p:cNvSpPr>
+          <p:nvPr>
+            <p:ph type="sldNum" sz="quarter" idx="12"/>
+          </p:nvPr>
+        </p:nvSpPr>
+        <p:spPr/>
+        <p:txBody>
+          <a:bodyPr/>
+          <a:lstStyle/>
+          <a:p>
+            <a:fld id="{64F0D409-D3F6-4EEC-8C77-1F5E89989FFB}" type="slidenum">
+              <a:rPr lang="ko-KR" altLang="en-US" smtClean="0"/>
+              <a:pPr/>
+              <a:t>59</a:t>
             </a:fld>
             <a:endParaRPr lang="ko-KR" altLang="en-US"/>
           </a:p>
